--- a/Documents/Layout.pptx
+++ b/Documents/Layout.pptx
@@ -104,6 +104,11 @@
       </a:defRPr>
     </a:lvl9pPr>
   </p:defaultTextStyle>
+  <p:extLst>
+    <p:ext uri="{EFAFB233-063F-42B5-8137-9DF3F51BA10A}">
+      <p15:sldGuideLst xmlns:p15="http://schemas.microsoft.com/office/powerpoint/2012/main"/>
+    </p:ext>
+  </p:extLst>
 </p:presentation>
 </file>
 
@@ -132,14 +137,14 @@
     </inkml:brush>
   </inkml:definitions>
   <inkml:trace contextRef="#ctx0" brushRef="#br0">9529 1940 16000,'-1331'75'-640,"501"-77"579,4-31 20,-550-5 15,1116 40 26,-980-17 0,455-10 0,577 30 0,1 8 0,-154 33 0,319-39 0,1 1 0,0 2 0,1 2 0,0 2 0,1 1 0,-3 4 0,30-13 0,1 0 0,-1 1 0,1 1 0,0 0 0,1 0 0,0 1 0,0 1 0,1-1 0,0 1 0,1 1 0,0 0 0,1 0 0,0 1 0,0-1 0,1 1 0,1 1 0,0-1 0,1 1 0,0 0 0,-1 11 0,1 6 4,2-1 0,0 1 0,2-1 0,2 1 0,0-1 0,5 16-4,13 54 72,11 28-72,-14-61 32,54 228 288,-13 4 0,-12 18-320,27 858 1124,-61-868-841,19 387 195,15 369-38,-19 144-18,-48 0-226,-89 380 316,-113 306-512,35-338 235,177-1434-212,-53 785-46,64-902 21,-1 0 1,1-1-1,0 1 0,0 0 0,0 0 0,0 0 1,1-1-1,-1 1 0,1 0 0,0 0 1,0-1-1,0 1 0,0-1 0,0 1 0,0-1 1,1 1-1,-1-1 0,1 0 0,0 0 1,0 1-1,0-1 0,0 0 0,0-1 1,0 1-1,0 0 0,0-1 0,1 1 0,-1-1 1,1 0-1,-1 1 0,1-1 0,-1-1 1,1 1-1,0 0 0,0-1 0,-1 1 0,1-1 1,1 0 1,11 1-7,0-2 1,0 0-1,0-1 1,0-1-1,0 0 1,8-3 6,-17 4-1,199-47 1,3 8 0,0 10 0,58 4 0,92 15 0,53 17 0,776-24 117,-920 9-106,1017-65 267,-850 46-55,280-24 23,-480 29-212,722-64 188,-887 83-235,549-54 109,-507 41-464,0-4 1,-1-6 0,-1-4-1,44-22 368,-15-4-3029,-2 2-8021</inkml:trace>
-  <inkml:trace contextRef="#ctx0" brushRef="#br0" timeOffset="635.302">10747 2454 17663,'168'1063'0,"-55"3"0,-58 639 707,-11-169 80,136 562 395,146-27-252,-215-1557-711,10 53-54,-26 0-59,-76-408-370,24 177-2992,-10-116-9223</inkml:trace>
+  <inkml:trace contextRef="#ctx0" brushRef="#br0" timeOffset="635.301">10747 2454 17663,'168'1063'0,"-55"3"0,-58 639 707,-11-169 80,136 562 395,146-27-252,-215-1557-711,10 53-54,-26 0-59,-76-408-370,24 177-2992,-10-116-9223</inkml:trace>
   <inkml:trace contextRef="#ctx0" brushRef="#br0" timeOffset="34467.882">1893 3992 10496,'27'-20'-3,"0"0"0,0 2 0,2 1-1,0 2 1,1 0 0,1 2 0,9-2 3,42-6-5,0 3-1,66-4 6,169-6 259,-226 22-229,1194-79 716,180-2-237,2 27-79,651-21 679,-1387 51-704,-226 8-1229,-169 9-3002,-197 8-2019</inkml:trace>
-  <inkml:trace contextRef="#ctx0" brushRef="#br0" timeOffset="48992.671">7717 2411 12032,'-12'0'0,"0"-1"0,0 1 0,0-2 0,0 0 0,-11-3 0,-15-3 23,0 2 1,0 1-1,0 3 0,-1 1 1,-22 2-24,8 0 11,19-1-11,-60 0 0,-92 11 0,-210 30 108,52-7 40,-96 10 214,-58-17-362,410-25 14,-279 11 100,148-2-39,-2-9 0,-126-18-75,252 7 117,-1 4 0,-48 5-117,102 3 9,-59 3 110,-53-6-119,54-4 27,-28 6-27,82 1-2,1 2 0,-1 2 1,-41 12 1,18 2 36,36-10 10,-1-2 0,-23 3-46,55-11 0,1-1 0,-1 0 0,0 0 0,1 0 0,-1-1 0,1 1 0,-1 0 0,0-1 0,1 1 0,-1 0 0,1-1 0,-1 0 0,1 1 0,-1-1 0,1 0 0,1 1 0,-1-1 0,0 1 0,0-1 0,1 1 0,-1 0 0,0-1 0,0 1 0,0 0 0,1 0 0,-1 0 0,0 0 0,0 0 0,0 0 0,0 0 0,1 0 0,-1 0 0,0 0 0,0 0 0,0 0 0,0 1 0,1-1 0,-1 0 0,0 1 0,0-1 0,1 0 0,-1 1 0,0-1 0,-9 6-8,0-1 1,0 0-1,0-1 1,-1 0 0,0-1-1,1 0 1,-10 1 7,12-3-6,0 0 1,-1 1-1,1 0 1,0 1 0,1 0-1,-1 0 1,0 0-1,1 1 1,0 0-1,0 1 1,0 0-1,0 0 1,1 0 0,-1 1 5,4-2 1,0 1 0,0-1 0,1 1 0,-1 0 0,1 0 0,0 0 0,0 0 0,1 1 0,0-1 0,-1 0 0,2 1 1,-1-1-1,1 0 0,0 1 0,0-1 0,0 1 0,1 2-1,3 17 18,0-1 1,2 1-1,4 9-18,6 28 55,-10-19 24,-1 1 1,-3-1-1,-1 1 1,-2-1-1,-2 1 1,-2-1-1,-2 0 1,-2-1-1,-2 0 1,-1 0-1,-10 20-79,20-59 3,1 0-1,0 0 1,0 0-1,1 0 1,-1 0-1,0 1 0,1-1 1,0 0-1,0 0 1,0 0-1,0 3-2,1-5 5,-1 1 0,1-1-1,-1 0 1,1 1 0,0-1 0,0 0-1,0 0 1,0 0 0,-1 0-1,1 0 1,1 0 0,-1 0-1,0 0 1,0 0 0,0 0 0,0 0-1,1 0 1,-1-1 0,0 1-1,1-1 1,-1 1 0,0-1-1,1 1 1,-1-1 0,1 0 0,0 0-5,6 1 17,0-1 0,0 0 0,1 0 0,-1-1 0,0 0 0,0 0 0,0-1 0,0 0 1,0 0-1,5-3-17,23-5 63,69-8-55,0 5 1,1 4-1,2 5-8,63-6-3,259-18 55,121-9 24,-451 29-76,396-28 0,399-34 7,-762 57 7,171-23 104,80-7 20,-317 38-114,39-2 59,98-21-83,-23-5 21,48 3-21,-226 30 11,-1 0 0,1-1 1,-1 1-1,0 0 0,0-1 0,1 1 1,-1-1-1,0 0 0,0 0 0,0 0 1,0 0-1,0 0 0,0 0 0,0-1 1,0 1-1,2-2-11,-2 0 18,-1 0 0,1 0 1,-1 0-1,1-1 0,-1 1 0,0 0 1,0-1-1,0 1 0,-1-1 1,1-2-19,4-30 44,-2-1 1,-1 0 0,-2 1 0,-1-1 0,-3-5-45,-6-34 160,-18-69-160,22 120-43,0 0 0,-1 0 1,-1 0-1,-2 1 0,0 1 1,-2 0-1,-8-13 43,19 34-269,-14-12-3793,10 12-3468</inkml:trace>
+  <inkml:trace contextRef="#ctx0" brushRef="#br0" timeOffset="48992.67">7717 2411 12032,'-12'0'0,"0"-1"0,0 1 0,0-2 0,0 0 0,-11-3 0,-15-3 23,0 2 1,0 1-1,0 3 0,-1 1 1,-22 2-24,8 0 11,19-1-11,-60 0 0,-92 11 0,-210 30 108,52-7 40,-96 10 214,-58-17-362,410-25 14,-279 11 100,148-2-39,-2-9 0,-126-18-75,252 7 117,-1 4 0,-48 5-117,102 3 9,-59 3 110,-53-6-119,54-4 27,-28 6-27,82 1-2,1 2 0,-1 2 1,-41 12 1,18 2 36,36-10 10,-1-2 0,-23 3-46,55-11 0,1-1 0,-1 0 0,0 0 0,1 0 0,-1-1 0,1 1 0,-1 0 0,0-1 0,1 1 0,-1 0 0,1-1 0,-1 0 0,1 1 0,-1-1 0,1 0 0,1 1 0,-1-1 0,0 1 0,0-1 0,1 1 0,-1 0 0,0-1 0,0 1 0,0 0 0,1 0 0,-1 0 0,0 0 0,0 0 0,0 0 0,0 0 0,1 0 0,-1 0 0,0 0 0,0 0 0,0 0 0,0 1 0,1-1 0,-1 0 0,0 1 0,0-1 0,1 0 0,-1 1 0,0-1 0,-9 6-8,0-1 1,0 0-1,0-1 1,-1 0 0,0-1-1,1 0 1,-10 1 7,12-3-6,0 0 1,-1 1-1,1 0 1,0 1 0,1 0-1,-1 0 1,0 0-1,1 1 1,0 0-1,0 1 1,0 0-1,0 0 1,1 0 0,-1 1 5,4-2 1,0 1 0,0-1 0,1 1 0,-1 0 0,1 0 0,0 0 0,0 0 0,1 1 0,0-1 0,-1 0 0,2 1 1,-1-1-1,1 0 0,0 1 0,0-1 0,0 1 0,1 2-1,3 17 18,0-1 1,2 1-1,4 9-18,6 28 55,-10-19 24,-1 1 1,-3-1-1,-1 1 1,-2-1-1,-2 1 1,-2-1-1,-2 0 1,-2-1-1,-2 0 1,-1 0-1,-10 20-79,20-59 3,1 0-1,0 0 1,0 0-1,1 0 1,-1 0-1,0 1 0,1-1 1,0 0-1,0 0 1,0 0-1,0 3-2,1-5 5,-1 1 0,1-1-1,-1 0 1,1 1 0,0-1 0,0 0-1,0 0 1,0 0 0,-1 0-1,1 0 1,1 0 0,-1 0-1,0 0 1,0 0 0,0 0 0,0 0-1,1 0 1,-1-1 0,0 1-1,1-1 1,-1 1 0,0-1-1,1 1 1,-1-1 0,1 0 0,0 0-5,6 1 17,0-1 0,0 0 0,1 0 0,-1-1 0,0 0 0,0 0 0,0-1 0,0 0 1,0 0-1,5-3-17,23-5 63,69-8-55,0 5 1,1 4-1,2 5-8,63-6-3,259-18 55,121-9 24,-451 29-76,396-28 0,399-34 7,-762 57 7,171-23 104,80-7 20,-317 38-114,39-2 59,98-21-83,-23-5 21,48 3-21,-226 30 11,-1 0 0,1-1 1,-1 1-1,0 0 0,0-1 0,1 1 1,-1-1-1,0 0 0,0 0 0,0 0 1,0 0-1,0 0 0,0 0 0,0-1 1,0 1-1,2-2-11,-2 0 18,-1 0 0,1 0 1,-1 0-1,1-1 0,-1 1 0,0 0 1,0-1-1,0 1 0,-1-1 1,1-2-19,4-30 44,-2-1 1,-1 0 0,-2 1 0,-1-1 0,-3-5-45,-6-34 160,-18-69-160,22 120-43,0 0 0,-1 0 1,-1 0-1,-2 1 0,0 1 1,-2 0-1,-8-13 43,19 34-269,-14-12-3793,10 12-3468</inkml:trace>
   <inkml:trace contextRef="#ctx0" brushRef="#br0" timeOffset="49554.17">8449 2481 5248,'-51'-25'-38,"-39"-13"38,69 31 212,0 0 1,0 2-1,0 0 1,-1 2 0,0 0-1,-1 1-212,17 3 136,0-1 0,1 1 0,-1 0-1,0 0 1,1 0 0,-1 1 0,1 0 0,-1 0 0,1 0-1,0 1 1,0 0 0,0 0 0,0 0 0,1 0 0,-1 1-1,1 0 1,0 0 0,0 0 0,0 0 0,0 1-1,1 0 1,0-1 0,0 1 0,-2 5-136,-5 9 310,1 1 0,1 0 0,1 0 0,0 1 0,2 0 0,0 5-310,0-5 54,2 0 0,1 0 0,0 1 0,2-1 0,0 0 0,1 1 0,2-1 0,0 0 0,1 0 0,1 0 0,1 0-1,1-1 1,0 0 0,2 0 0,0-1 0,1 0 0,5 4-54,-10-17 27,-1 0 0,2-1 0,-1 1 1,1-1-1,0-1 0,0 1 0,0-1 0,0 0 0,1 0 0,0-1 0,0 0 0,0 0 0,0-1 0,0 1 0,0-2 0,1 1 0,-1-1 1,1 0-1,-1 0 0,7-1-27,7 0 66,0-1 0,0 0 0,-1-2 1,1 0-1,0-1 0,17-7-66,-22 6 51,0-1 0,-1 0 1,1-1-1,-1-1 0,-1-1 0,1 0 0,-2 0 1,1-2-1,-1 0 0,-1 0 0,0-1 0,-1 0 1,0-1-1,-1-1 0,0 0 0,-1 0 0,0 0 1,-2-1-1,0-1 0,1-3-51,-5 9 58,-1-1 0,-1 1-1,0 0 1,0-1 0,-1 1 0,0 0 0,-1-1 0,0 1 0,-1-1 0,0 1-1,0 0 1,-1 0 0,-1 0 0,1 1 0,-2-1 0,1 1 0,-6-8-58,-6-10 114,-2 1 1,0 1 0,-2 0-1,0 1 1,-11-7-115,17 17-36,-7-7-840,0 1 0,-6-3 876,18 16-1174,1 1 0,-1 1 0,-1 0 0,1 0 0,-1 0 1174,-23-9-4928</inkml:trace>
-  <inkml:trace contextRef="#ctx0" brushRef="#br0" timeOffset="49794.527">8394 2720 13696,'25'10'0,"15"1"0,6 3 0,13 1 0,-8 5 128,1 7 0,-4 6 0,2 4-128,-10-4 128,-1-1-128,-4-2 128,1 0-5120,-9-10 128,0 3 3200</inkml:trace>
+  <inkml:trace contextRef="#ctx0" brushRef="#br0" timeOffset="49794.526">8394 2720 13696,'25'10'0,"15"1"0,6 3 0,13 1 0,-8 5 128,1 7 0,-4 6 0,2 4-128,-10-4 128,-1-1-128,-4-2 128,1 0-5120,-9-10 128,0 3 3200</inkml:trace>
   <inkml:trace contextRef="#ctx0" brushRef="#br0" timeOffset="56289.431">10520 4089 11136,'4'104'462,"9"38"-462,-3-49 711,-3 89-711,-41 909 1920,-37 1249 746,53-1870-2228,-9 651 532,29 257 289,-45-425-726,27-551-309,18-286-80,4 0 0,13 54-144,-8-102 83,107 650 496,-97-587-495,-8-44-50,13 38-34,-20-100-20,2 0 0,1 0 1,0-1-1,2 0 0,1 0 1,14 20 19,-21-37-123,1 0 1,-1-1 0,1 0-1,0 0 1,0-1-1,0 1 1,1-1 0,0-1-1,0 1 1,0-1-1,1-1 1,-1 1 0,1-1-1,0 0 1,0-1 0,0 0-1,0 0 1,1-1-1,4 1 123,69 18-1463,-61-13-534,1-2 1,1 0-1,-1-1 0,1-1 1997,17-1-5781</inkml:trace>
   <inkml:trace contextRef="#ctx0" brushRef="#br0" timeOffset="57120.644">10487 14179 19711,'48'-20'0,"-48"20"0,0 0 0,1 0 0,-1-1 0,0 1 0,0 0 0,1 0 0,-1 0 0,0-1 0,0 1 0,0 0 0,1-1 0,-1 1 0,0 0 0,0 0 0,0-1 0,0 1 0,0 0 0,0-1 0,0 1 0,1 0 0,-1 0 0,0-1 0,0 1 0,0 0 0,0-1 0,0 1 0,0 0 0,0-1 0,-1 1 0,1 0 0,0-1 0,0 1 0,0 0 0,0-1 0,0 1 0,0 0 0,-1 0 0,1-1 0,0 1 0,0 0 0,0-1 0,-11-9 0,9 8 0,1 1 0,1 0 0,-1 0 0,1 0 0,-1-1 0,1 1 0,0 0 0,-1 0 0,1 0 0,0-1 0,0 1 0,0 0 0,0 0 0,0-1 0,0 1 0,1 0 0,-1 0 0,0 0 0,1-1 0,-1 1 0,1 0 0,-1 0 0,1 0 0,-1 0 0,1 0 0,0 0 0,-1 0 0,2-1 0,24-26 0,-24 26 0,23-18 0,1 2 0,0 0 0,2 2 0,0 0 0,26-8 0,-12 4 0,-1-2 0,19-14 0,-42 23 2,0 0-1,0-2 0,-1 0 1,-1-1-1,-1-1 0,0 0 1,-1-1-1,-1-1 0,-1 0 1,0-1-1,-1 0 0,-2-1 1,0 0-1,-1 0 0,-1-1 1,1-9-2,10-51 98,-3-1 1,1-55-99,0-177 165,-23-69-165,-21-57 0,22 359 0,-54-641 0,41 505 0,-10-98 0,-36-471 0,24-431-158,26 641 82,2 296 54,-2-70 1,16 129-96,10-1-1,19-76 118,17-186-89,-25 227 29,-11 83-153,-8-124 213,-4-11-59,2 83-32,-21-144 91,11 295 0,-29-387 0,39 395 0,8-52 0,-4 66 0,-2 0 0,-2 0 0,-3-4 0,1 49-11,0 0-1,-1 0 1,0 1 0,0-1-1,-1 0 1,-1 1-1,1 0 1,-1-1-1,-1 1 1,1 1-1,-1-1 1,-1 1-1,1 0 1,-1 0-1,-1 0 1,1 1-1,-1 0 1,0 0 0,0 1-1,-8-5 12,5 5-30,1 0-1,0 1 1,-1 0-1,0 0 1,0 1 0,0 0-1,0 1 1,-1 0-1,1 1 1,-1 0-1,1 1 1,-1 0-1,1 0 1,0 1 0,-1 1-1,1-1 1,-6 3 30,-42 18-2581,0 4-8171</inkml:trace>
-  <inkml:trace contextRef="#ctx0" brushRef="#br0" timeOffset="59133.203">9375 4283 10624,'-125'-24'152,"-1"6"0,-78 0-152,143 13 37,-983-60 6,281 35-1,247 24 529,295 8-416,-370 31 465,303-11-344,-119 0-84,-276 21 106,-2 6-148,532-46-150,-58-10 0,110 2 0,-16-2 0,53 1 0,0 4 0,-56 5 0,103-1 0,0 1 0,1 1 0,-1 1 0,1 0 0,0 1 0,-6 4 0,-89 49 0,107-56 0,-56 35 0,0 3 0,3 3 0,2 2 0,2 3 0,-41 47 0,91-92 6,0 1 0,0-1 0,0 1 0,1 0 0,-1 0 0,1 0 0,0 0 1,1 0-1,-1 0 0,1 0 0,0 1 0,1-1 0,-1 1 0,1-1 0,0 0 1,0 3-7,2 16 47,1 0 0,1 0-1,2 4-46,0 4 18,13 77 67,-6-1 0,-4 2 1,-5 98-86,-12-81 120,-6-1 1,-5 0 0,-33 111-121,19-119 15,0-3 426,4 1-1,-2 50-440,31-166 1,-35 312 573,28-218-275,4 0 1,5 30-300,0-86 149,2 0 0,1 0 0,1-1 1,3 0-1,0 0 0,14 31-149,-21-65 19,-1-1-1,0 1 1,1-1-1,0 1 1,-1-1-1,1 0 1,0 1-1,0-1 1,0 0-1,1 0 1,-1-1-1,0 1 1,1 0-1,-1-1 1,1 1-1,0-1 1,-1 0-1,1 0 1,0 0-1,0 0 1,0-1-1,-1 1 1,4 0-19,6-1 46,0 1-1,0-2 1,0 1 0,0-2 0,4 0-46,-6 0 7,220-40 334,-35 10-314,18-13-27,148-26-6,-137 46 6,76 6 0,226 12 0,323 31 0,-517-4 0,234 19 0,285 20 0,-556-43 22,86 0 212,31-17-234,536-18 363,-538-6-348,102-2 119,-481 28-32,0-3-1,1 0 0,-1-2 1,29-7-102,-58 10 10,-1 1 0,1 0 1,-1-1-1,0 0 1,0 1-1,1-1 0,-1 0 1,0 0-1,0 0 0,0 1 1,0-1-1,0 0 1,0-1-1,0 1 0,0 0 1,0 0-1,0 0 0,-1 0 1,1-1-1,0 1 1,-1 0-1,1-1 0,-1 1 1,0 0-1,1-1 0,-1 1 1,0-1-1,0 1 1,0-1-1,0 1 0,0 0 1,0-1-1,0 1 0,0-1 1,-1 1-1,1 0 1,0-1-1,-1 0-10,-3-11 40,0 1 0,-1 0 0,0 1 0,-5-7-40,1-1 43,-52-125 0,6-4-1,7-1 1,-18-101-43,36 103 9,7-1 0,6-1 0,4-57-9,10-18-6,25-210 6,12 190 0,-6 46 0,-18 102-14,5-1 0,3 2 0,9-13 14,-40 130-10155,5-3 4353</inkml:trace>
+  <inkml:trace contextRef="#ctx0" brushRef="#br0" timeOffset="59133.202">9375 4283 10624,'-125'-24'152,"-1"6"0,-78 0-152,143 13 37,-983-60 6,281 35-1,247 24 529,295 8-416,-370 31 465,303-11-344,-119 0-84,-276 21 106,-2 6-148,532-46-150,-58-10 0,110 2 0,-16-2 0,53 1 0,0 4 0,-56 5 0,103-1 0,0 1 0,1 1 0,-1 1 0,1 0 0,0 1 0,-6 4 0,-89 49 0,107-56 0,-56 35 0,0 3 0,3 3 0,2 2 0,2 3 0,-41 47 0,91-92 6,0 1 0,0-1 0,0 1 0,1 0 0,-1 0 0,1 0 0,0 0 1,1 0-1,-1 0 0,1 0 0,0 1 0,1-1 0,-1 1 0,1-1 0,0 0 1,0 3-7,2 16 47,1 0 0,1 0-1,2 4-46,0 4 18,13 77 67,-6-1 0,-4 2 1,-5 98-86,-12-81 120,-6-1 1,-5 0 0,-33 111-121,19-119 15,0-3 426,4 1-1,-2 50-440,31-166 1,-35 312 573,28-218-275,4 0 1,5 30-300,0-86 149,2 0 0,1 0 0,1-1 1,3 0-1,0 0 0,14 31-149,-21-65 19,-1-1-1,0 1 1,1-1-1,0 1 1,-1-1-1,1 0 1,0 1-1,0-1 1,0 0-1,1 0 1,-1-1-1,0 1 1,1 0-1,-1-1 1,1 1-1,0-1 1,-1 0-1,1 0 1,0 0-1,0 0 1,0-1-1,-1 1 1,4 0-19,6-1 46,0 1-1,0-2 1,0 1 0,0-2 0,4 0-46,-6 0 7,220-40 334,-35 10-314,18-13-27,148-26-6,-137 46 6,76 6 0,226 12 0,323 31 0,-517-4 0,234 19 0,285 20 0,-556-43 22,86 0 212,31-17-234,536-18 363,-538-6-348,102-2 119,-481 28-32,0-3-1,1 0 0,-1-2 1,29-7-102,-58 10 10,-1 1 0,1 0 1,-1-1-1,0 0 1,0 1-1,1-1 0,-1 0 1,0 0-1,0 0 0,0 1 1,0-1-1,0 0 1,0-1-1,0 1 0,0 0 1,0 0-1,0 0 0,-1 0 1,1-1-1,0 1 1,-1 0-1,1-1 0,-1 1 1,0 0-1,1-1 0,-1 1 1,0-1-1,0 1 1,0-1-1,0 1 0,0 0 1,0-1-1,0 1 0,0-1 1,-1 1-1,1 0 1,0-1-1,-1 0-10,-3-11 40,0 1 0,-1 0 0,0 1 0,-5-7-40,1-1 43,-52-125 0,6-4-1,7-1 1,-18-101-43,36 103 9,7-1 0,6-1 0,4-57-9,10-18-6,25-210 6,12 190 0,-6 46 0,-18 102-14,5-1 0,3 2 0,9-13 14,-40 130-10155,5-3 4353</inkml:trace>
   <inkml:trace contextRef="#ctx0" brushRef="#br0" timeOffset="60693.242">2715 4804 10112,'10'10'0,"7"5"0,-6-7 0,-6-3 128,0 22 0,-5 13 128,5 13 128,4 18-256,-1 4 0,4 10 128,1-8 0,5-2 0,11-17 128,2-13-1024,-2-9 0,-3-11-4480,-1-24 128,0 3 5888</inkml:trace>
   <inkml:trace contextRef="#ctx0" brushRef="#br0" timeOffset="61160.469">2818 4834 8576,'3'2'5,"2"1"136,-1 0 1,1-1-1,0 1 0,0-1 0,0 0 0,1 0 0,-1-1 0,0 1 0,1-1 0,-1 0 0,6 0-141,58 2 613,1-3 0,0-3 0,39-8-613,-6 2 401,1190-145 666,-1169 135-1029,679-89 180,-788 107-218,47-6-2,-1 3 0,1 3 0,4 2 2,-49 0 2,0 1 0,1 0 0,-1 2 0,0 0 1,0 1-1,-1 0 0,1 1 0,-1 1 0,0 1 0,-1 0 0,0 1 0,0 1 0,1 1-2,-4-1 54,-1 0 0,1 0 0,-1 1-1,-1 0 1,0 1 0,-1 1 0,0-1 0,-1 1 0,0 1 0,-1-1 0,-1 1 0,0 1 0,-1-1-1,0 1 1,-1 0 0,-1 0 0,0 0 0,-1 0 0,-1 3-54,4 127 778,-7 3-778,1-73 203,0-24 295,-5 30-498,4-65-470,-1 1-1,0-1 1,-1 0-1,-1 0 1,-1-1-1,-7 15 471,3-9-9045</inkml:trace>
   <inkml:trace contextRef="#ctx0" brushRef="#br0" timeOffset="61594.549">3028 5489 14848,'13'0'10,"-1"1"0,1 1 0,-1 0 1,5 2-11,34 5 87,74-3 313,60-7-400,-55-1 112,539-12 276,-171 2-158,-41-2 154,28-23-384,-30-4 161,-268 34-151,85 10-10,-258-2-490,13 0 641,-21-3-3635,-10-3-5023,-8-3 6864</inkml:trace>
@@ -152,41 +157,41 @@
   <inkml:trace contextRef="#ctx0" brushRef="#br0" timeOffset="73966.05">4610 6175 11776,'38'8'-107,"-37"-8"107,-1 0-1,1 0 1,-1 1 0,1-1-1,-1 0 1,1 1 0,-1-1-1,0 0 1,1 1 0,-1-1 0,1 1-1,-1-1 1,0 0 0,1 1-1,-1-1 1,0 1 0,0-1-1,1 1 1,-1-1 0,0 1-1,0-1 1,0 1 0,0 0-1,0-1 1,0 1 0,0-1 0,0 1-1,0-1 1,0 1 0,0-1-1,0 1 1,0 0 0,0-1-1,0 1 1,0-1 0,-1 1-1,1-1 1,0 1 0,0-1-1,-1 1 1,1-1 0,0 1 0,-1-1-1,1 0 1,0 1 0,-1-1-1,1 1 1,-1-1 0,1 0 0,-4 7 15,0 6 27,0 1-1,2-1 1,0 0 0,0 1-1,1-1 1,1 1 0,0 0 0,2 7-42,-1-2 97,-1 0 1,0-1 0,-2 1 0,-1 7-98,-10 24 255,-2 0 0,-2-1-255,-3 9 695,-3 22-695,19-60 59,0 0-1,1 0 1,1 0 0,1 0 0,1 1 0,1 2-59,-1-23-40,0 0 1,-1 1-1,1-1 1,0 1-1,0-1 1,0 0-1,0 1 1,0-1-1,1 1 1,-1-1-1,0 0 1,0 1-1,0-1 1,0 1-1,0-1 1,0 0-1,1 1 1,-1-1-1,0 0 1,0 1-1,0-1 1,1 0-1,-1 1 1,0-1-1,1 0 1,-1 0-1,0 1 1,1-1-1,-1 0 1,0 0-1,1 1 1,-1-1-1,0 0 1,1 0-1,-1 0 1,1 0-1,-1 0 40,14-6-3573,1-4-2016</inkml:trace>
   <inkml:trace contextRef="#ctx0" brushRef="#br0" timeOffset="74333.458">4650 6260 7552,'3'0'384,"202"-14"1792,-53 4-1619,60-1-69,1155-48 1645,-916 40-1471,109 23-662,-249 3 512,281-30-512,-281-10 198,254-18-34,-513 51-1243,0 2 1,15 5 1078,-54-6-893,36 4-6915</inkml:trace>
   <inkml:trace contextRef="#ctx0" brushRef="#br0" timeOffset="74851.815">4872 6888 13952,'170'-29'0,"15"-2"0,-38 20 64,143 10-64,-110 3 64,133-5 190,400 2 846,-1 36-406,449 18-55,-938-55-148,22-11-491,-208 10 107,1 1-1,0 2 1,0 2 0,-1 2-1,5 2-106,-10-5 125,-15-3-237,-17 2 96,1 0 0,-1 0 0,0 0 0,0 0 0,1 0 0,-1 0 0,0-1 0,0 1 0,1 0 0,-1 0 0,0 0 0,0 0 0,0 0-1,1-1 1,-1 1 0,0 0 0,0 0 0,0 0 0,0 0 0,1-1 0,-1 1 0,0 0 0,0 0 0,0-1 0,0 1 0,0 0 0,0 0 0,0 0 0,1-1 0,-1 1 0,0 0 0,0 0-1,0-1 1,0 1 0,0 0 0,0 0 0,0-1 0,0 1 16,-1-1-122,1 1-1,-1-1 1,1 1-1,-1-1 1,1 1-1,-1-1 1,1 1-1,-1-1 0,1 1 1,-1 0-1,0-1 1,1 1-1,-1 0 1,0-1-1,1 1 1,-1 0-1,0 0 1,1 0-1,-1 0 1,0 0-1,1-1 1,-1 1-1,0 0 1,0 1-1,0-1 123,-22 1-1855,16 0 651,-32 1-5772</inkml:trace>
-  <inkml:trace contextRef="#ctx0" brushRef="#br0" timeOffset="80287.232">9800 5961 9600,'9'5'0,"2"5"0,-9-5 0,-4-2 0,2-3 0,-8 6-128,8-6 128,0 0-6656</inkml:trace>
-  <inkml:trace contextRef="#ctx0" brushRef="#br0" timeOffset="81708.263">8882 8341 12544,'-630'-86'240,"286"45"-118,-197-23 28,-361 12-150,-766 79-768,1576-22 674,-594 26-421,-1-34 249,-155-40 373,492 20 149,325 22-231,0 1-1,0 2 1,1 0 0,-1 1 0,0 2 0,-10 3-25,32-7 8,-1 0 0,0 0 0,0 1 0,1 0 0,-1-1 0,1 1 0,-1 1 0,1-1 1,0 0-1,0 1 0,-2 1-8,4-3 3,1 0 1,-1 1-1,0-1 1,1 0-1,-1 0 0,1 0 1,-1 0-1,1 1 1,-1-1-1,1 0 1,0 1-1,0-1 1,0 0-1,0 0 1,0 1-1,0-1 1,0 0-1,0 1 0,0-1 1,0 0-1,1 0 1,-1 1-1,1-1 1,-1 0-1,1 0 1,-1 0-1,1 1 1,0-1-1,-1 0 1,1 0-1,0 0 0,0 0 1,0 0-1,0 0 1,0-1-1,0 1-3,13 12 9,0 0 0,1-1 0,15 10-9,-11-10-3,-2 2 1,13 12 2,-10-5-16,-1 2 0,-1 1 0,-1 0 0,-1 1 0,-1 1 0,-1 0 0,-2 1 0,-1 0 0,0 1 0,-3 0 0,0 1 0,0 6 16,7 48-192,-4 0 0,-3 2 0,-4 56 192,-21 416-794,-1-144 1146,18-267-145,15 117-207,-8-209-247,2-1 1,2 0-1,3-1 1,2 0-1,2-1 1,3-1-1,1 0 1,3-2-1,21 31 247,47 69-5866</inkml:trace>
-  <inkml:trace contextRef="#ctx0" brushRef="#br0" timeOffset="82170.546">6224 10994 15744,'-9'32'0,"-7"23"0,19 9 0,7 2-2688,2 23 0,-1 11-1920,-1-10 0,2 2 5376</inkml:trace>
+  <inkml:trace contextRef="#ctx0" brushRef="#br0" timeOffset="80287.231">9800 5961 9600,'9'5'0,"2"5"0,-9-5 0,-4-2 0,2-3 0,-8 6-128,8-6 128,0 0-6656</inkml:trace>
+  <inkml:trace contextRef="#ctx0" brushRef="#br0" timeOffset="81708.262">8882 8341 12544,'-630'-86'240,"286"45"-118,-197-23 28,-361 12-150,-766 79-768,1576-22 674,-594 26-421,-1-34 249,-155-40 373,492 20 149,325 22-231,0 1-1,0 2 1,1 0 0,-1 1 0,0 2 0,-10 3-25,32-7 8,-1 0 0,0 0 0,0 1 0,1 0 0,-1-1 0,1 1 0,-1 1 0,1-1 1,0 0-1,0 1 0,-2 1-8,4-3 3,1 0 1,-1 1-1,0-1 1,1 0-1,-1 0 0,1 0 1,-1 0-1,1 1 1,-1-1-1,1 0 1,0 1-1,0-1 1,0 0-1,0 0 1,0 1-1,0-1 1,0 0-1,0 1 0,0-1 1,0 0-1,1 0 1,-1 1-1,1-1 1,-1 0-1,1 0 1,-1 0-1,1 1 1,0-1-1,-1 0 1,1 0-1,0 0 0,0 0 1,0 0-1,0 0 1,0-1-1,0 1-3,13 12 9,0 0 0,1-1 0,15 10-9,-11-10-3,-2 2 1,13 12 2,-10-5-16,-1 2 0,-1 1 0,-1 0 0,-1 1 0,-1 1 0,-1 0 0,-2 1 0,-1 0 0,0 1 0,-3 0 0,0 1 0,0 6 16,7 48-192,-4 0 0,-3 2 0,-4 56 192,-21 416-794,-1-144 1146,18-267-145,15 117-207,-8-209-247,2-1 1,2 0-1,3-1 1,2 0-1,2-1 1,3-1-1,1 0 1,3-2-1,21 31 247,47 69-5866</inkml:trace>
+  <inkml:trace contextRef="#ctx0" brushRef="#br0" timeOffset="82170.545">6224 10994 15744,'-9'32'0,"-7"23"0,19 9 0,7 2-2688,2 23 0,-1 11-1920,-1-10 0,2 2 5376</inkml:trace>
   <inkml:trace contextRef="#ctx0" brushRef="#br0" timeOffset="82320.579">6212 12329 17151,'-2'-15'0,"-1"-12"0,-2 64 0,0 1-12415</inkml:trace>
   <inkml:trace contextRef="#ctx0" brushRef="#br0" timeOffset="82470.499">5929 13591 17919,'8'8'0,"0"-1"-13055</inkml:trace>
   <inkml:trace contextRef="#ctx0" brushRef="#br0" timeOffset="83394.629">9757 5969 14464,'-3'-12'18,"0"-1"0,1-1 0,1 1 1,0 0-1,1 0 0,0-1 1,1 1-1,0 0 0,1 0 0,1 0 1,0 0-1,1 0 0,0 0 1,1-1-19,7-11 67,0 1 0,2 0 0,1 1 0,1 0 0,16-18-67,27-23 280,17-13-280,-73 75 3,97-90 39,4 5 0,4 5 0,3 5-1,3 4 1,4 5 0,44-14-42,35-7 51,3 9 1,4 9 0,140-27-52,-64 32 48,4 13 0,104 1-48,-144 32 80,1 11 0,233 21-80,-345-1 128,66 17-128,-144-17 36,-1 2 1,0 2-1,-1 3 1,-1 1-1,0 4 1,-2 1 0,43 29-37,-70-39 18,-1 2 1,0 0 0,-2 1 0,1 2 0,-2 0 0,13 16-19,-25-25 9,0 0 0,0-1 0,-1 2 0,-1-1 0,0 1 0,0 0 0,-1 0-1,0 0 1,-1 1 0,0-1 0,-1 1 0,0 0 0,-1 0 0,-1 0 0,1-1-1,-2 3-8,-1 1 19,0-1-1,-1 1 1,0-1-1,-1 0 1,-1 0-1,-1-1 0,0 1 1,0-1-1,-1 0 1,-1-1-1,-6 9-18,-3 1 41,-2 0-1,0-1 1,-1-1-1,-1-1 1,-12 8-41,8-8 66,0-1 0,-1-1 0,-1-1 0,0-1 0,-27 9-66,45-20 16,-1-1 0,0 1 0,0-2 0,0 1 0,0-1 0,0-1 0,0 0 0,-1-1 0,1 1 0,0-2 0,-1 0 0,1 0 0,0-1 0,0 0 0,0 0 0,0-1 0,0-1 0,-7-3-16,11 3 12,0 0-1,1 1 1,-1-2-1,1 1 1,0-1-1,1 0 1,-1 0-1,1 0 0,0 0 1,0-1-1,1 0 1,-1 0-1,1 0 1,1 0-1,-1 0 0,1 0 1,0-1-1,0 1 1,1-1-1,0 0 1,0 1-1,1-1 1,-1 0-1,1 0 0,1-3-11,1-8 14,0 1-1,0 0 0,2 1 0,0-1 1,1 1-1,1-1 0,0 1 1,1 1-1,5-8-13,2 1 6,1 0-1,1 1 1,1 1 0,1 0 0,0 1-1,2 1 1,0 1 0,1 1 0,0 0 0,1 2-1,1 1 1,5-2-6,33-14 9,1 3 1,1 2-1,1 3 0,13 0-9,38-7 0,2 7 0,0 4 0,0 5 0,1 5 0,57 7 0,-48 1 1,32 2-3692,30 8 3691,-166-9-9749</inkml:trace>
   <inkml:trace contextRef="#ctx0" brushRef="#br0" timeOffset="83656.927">15722 4398 15616,'109'-4'126,"-54"0"110,39 4-236,-70 2 28,1 1-1,-1 1 0,0 1 1,0 1-1,-1 1 0,1 1 1,-2 1-1,19 10-27,-32-14 13,0 1 0,0 0 0,0 0 0,-1 1 0,0 0-1,0 0 1,-1 1 0,0 0 0,-1 0 0,1 1-13,-3-3 4,-1 1 0,1-1 0,-2 0-1,1 1 1,-1 0 0,0-1 0,0 1 0,0 0 0,-1 0-1,0 0 1,-1 0 0,0 0 0,0 1 0,0-1 0,-2 5-5,0 1 4,-2-1-1,0 0 1,0 0-1,-1 0 0,0 0 1,-1-1-1,-1 0 1,1 0-1,-2 0 0,0-1 1,-3 4-3,-23 24-45,-2-2 1,-10 6 44,28-25-44,-53 47-2111,-1-3-7487</inkml:trace>
   <inkml:trace contextRef="#ctx0" brushRef="#br0" timeOffset="86419.88">17337 3338 12032,'-1'20'-4,"2"22"29,13 72 205,-6 0 0,-4 42-230,-17 232 393,-58 300 96,11-168 324,10 450 1171,39-371-1286,5 803 331,20-864-680,9 255 70,-22-772-419,19 261-128,-18-261 67,-2-15-15,1 0-1,-1 1 1,1-1 0,0 0-1,1 0 1,0 1-1,0-1 1,0-1 0,1 1-1,-1 0 1,1 0 0,1-1-1,-1 0 1,3 3 76,-6-7-100,1 0 1,-1-1 0,1 1-1,-1 0 1,1 0-1,-1-1 1,1 1 0,0-1-1,-1 1 1,1 0-1,0-1 1,0 1 0,-1-1-1,1 1 1,0-1-1,0 0 1,0 1 0,0-1-1,-1 0 1,1 0-1,0 1 1,0-1 0,0 0-1,0 0 1,0 0-1,0 0 1,0 0 0,0 0-1,-1-1 1,1 1-1,0 0 1,0 0 0,0-1-1,0 1 1,0 0 0,-1-1-1,1 1 1,0-1-1,0 1 1,-1-1 0,1 1-1,0-1 1,0 1-1,-1-1 1,1 0 0,-1 0-1,1 1 1,-1-1-1,1 0 1,-1 0 0,1 0 99,2-6-913,0 0 1,0 0 0,0 0 0,-1 0 0,1-6 912,-1 8-290,14-54-3763</inkml:trace>
-  <inkml:trace contextRef="#ctx0" brushRef="#br0" timeOffset="87171.452">17292 3436 14848,'74'-3'181,"0"-4"0,24-7-181,53-6 256,387-58-18,-285 36-198,278-32-40,2 24 0,184 19 0,-329 28 0,780-10 0,-434 27 0,-635-8 48,-1 5 0,4 4-48,-55-6 32,-1 2 0,-1 2 0,0 1 0,-1 3 0,15 9-32,-51-22 24,1 1 0,-1 0 1,0 0-1,0 1 0,-1 0 1,1 0-1,-1 1 0,-1 0 1,1 0-1,-1 0 0,-1 1 1,6 8-25,-5-4 62,-1 0 0,0 1 0,-1 0 0,0 0 0,-1 0 1,0 0-1,-1 0 0,0 14-62,4 109 938,-13 125-938,0 13 299,-4 1656 616,-2-712-507,31-385 594,38 24-1002,-36-612 144,102 908 480,-68-838-525,23 156 39,-62-335-192,-5 2-1,-7 59 55,-3-168-377,-2-1 0,-1 0 0,-4 13 377,2-20-2709,-1 0 0,-8 18 2709,-1 1-9578</inkml:trace>
+  <inkml:trace contextRef="#ctx0" brushRef="#br0" timeOffset="87171.451">17292 3436 14848,'74'-3'181,"0"-4"0,24-7-181,53-6 256,387-58-18,-285 36-198,278-32-40,2 24 0,184 19 0,-329 28 0,780-10 0,-434 27 0,-635-8 48,-1 5 0,4 4-48,-55-6 32,-1 2 0,-1 2 0,0 1 0,-1 3 0,15 9-32,-51-22 24,1 1 0,-1 0 1,0 0-1,0 1 0,-1 0 1,1 0-1,-1 1 0,-1 0 1,1 0-1,-1 0 0,-1 1 1,6 8-25,-5-4 62,-1 0 0,0 1 0,-1 0 0,0 0 0,-1 0 1,0 0-1,-1 0 0,0 14-62,4 109 938,-13 125-938,0 13 299,-4 1656 616,-2-712-507,31-385 594,38 24-1002,-36-612 144,102 908 480,-68-838-525,23 156 39,-62-335-192,-5 2-1,-7 59 55,-3-168-377,-2-1 0,-1 0 0,-4 13 377,2-20-2709,-1 0 0,-8 18 2709,-1 1-9578</inkml:trace>
   <inkml:trace contextRef="#ctx0" brushRef="#br0" timeOffset="87717.374">17905 10755 17279,'24'-10'0,"0"0"0,1 1 0,0 1 0,17-2 0,106-15 0,-133 23 0,537-51 87,-205 25-46,1361-84 86,-1589 106-126,517-35 47,-171 9 11,-145 8 112,178-42-171,-424 53 39,113-19 284,171-7-323,-322 39 96,-1 2 0,0 1 0,3 2-96,0 1 368,1-3 0,2-1-368,-40-2 11,0 0 0,0 0 0,1-1 0,-1 1-1,0 0 1,0-1 0,0 1 0,0-1 0,0 1-1,0-1 1,0 1 0,0-1 0,0 0 0,0 0-1,0 1 1,0-2-11,-1 2 1,1 0 0,-1-1 0,0 1-1,0 0 1,1-1 0,-1 1 0,0 0-1,0 0 1,0-1 0,0 1 0,1 0 0,-1-1-1,0 1 1,0 0 0,0-1 0,0 1-1,0-1 1,0 1 0,0 0 0,0-1 0,0 1-1,0 0 1,0-1 0,0 1 0,0 0-1,0-1 1,-1 1 0,1 0 0,0-1 0,0 1-1,0 0 1,0-1 0,-1 1 0,1 0-1,0 0 1,0-1 0,-1 1 0,1 0 0,0 0-1,0-1 1,-1 1 0,1 0 0,0 0-1,-1 0 1,1-1 0,0 1 0,-1 0 0,1 0-1,0 0 1,-1 0 0,1 0 0,-1 0-1,-35-8-1251,-3 8-4794,18 3-1592</inkml:trace>
   <inkml:trace contextRef="#ctx0" brushRef="#br0" timeOffset="100329.294">17292 4588 8320,'334'-65'1349,"-232"51"-626,1 5-1,30 3-722,277 19 266,-76-1-148,558-13 8,-134-1 538,-450 5-406,471-5 401,-541-16 1,34-16-660,-64 8 215,-62 8-154,66-8-1082,84 6 1021,-176 18-9024</inkml:trace>
   <inkml:trace contextRef="#ctx0" brushRef="#br0" timeOffset="101065.68">17969 3819 10752,'-13'1'75,"0"1"0,0 0 0,1 2 0,-1-1 0,1 1 0,0 1 1,0 0-1,0 1 0,1 0 0,-1 2-75,-47 20 251,-95 36 5,154-64-255,-1 0-1,1 0 1,-1 0 0,1 0-1,-1 0 1,1 1-1,-1-1 1,1 0 0,-1 0-1,1 1 1,-1-1-1,1 0 1,0 0 0,-1 1-1,1-1 1,0 1-1,-1-1 1,1 0 0,0 1-1,-1-1 1,1 1-1,0-1 1,0 1-1,0-1 1,-1 0 0,1 1-1,0-1 1,0 1-1,0-1 1,0 1 0,0-1-1,0 1 1,0-1-1,0 1 1,0-1 0,0 1-1,14 15 0,27 7 21,226 64 808,-148-51-527,-58-21 134,18 7-2067,-67-18-6518</inkml:trace>
-  <inkml:trace contextRef="#ctx0" brushRef="#br0" timeOffset="104367.466">22266 3468 11136,'3'10'0,"2"10"0,-2-10 0,-1-2 128,-2 19 0,0 8 256,7 15 128,1 19-384,-1-3 128,1 13 0,0-12 0,-1-4-128,3-13 128,7-10-256,1-13 0,2-14-1792,-3-13 128,-2 0-5120</inkml:trace>
+  <inkml:trace contextRef="#ctx0" brushRef="#br0" timeOffset="104367.465">22266 3468 11136,'3'10'0,"2"10"0,-2-10 0,-1-2 128,-2 19 0,0 8 256,7 15 128,1 19-384,-1-3 128,1 13 0,0-12 0,-1-4-128,3-13 128,7-10-256,1-13 0,2-14-1792,-3-13 128,-2 0-5120</inkml:trace>
   <inkml:trace contextRef="#ctx0" brushRef="#br0" timeOffset="104683.069">22377 3563 7936,'1'1'10,"-1"-1"1,1 0-1,-1 1 1,1-1-1,0 0 1,-1 1-1,1-1 1,-1 0-1,1 0 1,0 0-1,-1 1 0,1-1 1,0 0-1,-1 0 1,1 0-1,0 0 1,-1 0-1,1 0 1,0 0-1,-1 0 1,1-1-1,0 1 1,-1 0-1,1 0 1,-1 0-1,1-1 1,0 1-1,-1 0 1,1-1-1,-1 1 1,1 0-1,-1-1 0,1 1 1,-1-1-1,1 1 1,-1-1-1,1 1 1,-1-1-1,0 1 1,1-1-1,-1 0 1,0 1-11,18-38 508,-17 33-421,1-1 0,1 1 1,-1 0-1,1 0 0,0 0 1,0-1-88,3 1 115,0-1 0,1 1 0,0 0 0,0 1 0,0-1 0,0 1 1,1 1-1,-1-1 0,1 2 0,0-1 0,0 1 0,0 0 0,0 0 0,0 1 1,1 0-116,24-2 278,0 2 1,0 1 0,6 2-279,-16-1 189,53 2 333,0 4 1,0 3 0,-1 3-1,59 19-522,-127-30 20,1 0-1,-1 1 1,0 0-1,0 0 1,0 1 0,-1 0-1,1 0 1,-1 0-1,0 1 1,0 0-1,0 0 1,-1 1-1,0-1 1,0 1 0,0 0-1,-1 1 1,0-1-1,0 1 1,0 0-1,-1 0 1,0 0-1,-1 0 1,1 1 0,-1-1-1,-1 0 1,0 1-1,0 0 1,0-1-1,-1 1 1,0 0-1,0-1 1,-1 1 0,0 0-1,0-1 1,-1 1-1,-1 2-19,-5 15-95,-1 0 0,-1-1 0,-1-1-1,-2 1 1,0-2 0,-1 0 0,-8 9 95,8-15-1478,0-1-1,-1 0 1,0-1 0,-1 0 0,0-2 0,-5 3 1478,-25 15-2603</inkml:trace>
   <inkml:trace contextRef="#ctx0" brushRef="#br0" timeOffset="104917.827">22397 4064 13312,'15'0'0,"15"0"0,4-10 128,4-7 0,5 9 0,9 3 0,6 0 0,7-2 0,-8-1 0,1 6-128,7 2 0,9 0-640,-18-3 0,3 1-8448</inkml:trace>
   <inkml:trace contextRef="#ctx0" brushRef="#br0" timeOffset="105151.901">22757 3789 15360,'22'8'0,"10"9"256,4 1 0,8 4 0,9 1 0,14 4 127,-11 1 1,1-3-768,-7 2 1,-2 1-11393</inkml:trace>
   <inkml:trace contextRef="#ctx0" brushRef="#br0" timeOffset="110058.157">9757 2785 17535,'0'0'128,"0"0"0,0 0 0,93-10 0,-33 2 0,5-2 0,4 3 0,1-3-256,1 1 128,-2-1-2175,-18 5-1,1 0-7296</inkml:trace>
-  <inkml:trace contextRef="#ctx0" brushRef="#br0" timeOffset="110306.492">9844 2454 15104,'0'0'256,"-9"-3"128,-4-7-128,5 8 0,3 2 127,10 25 129,10 15-256,8 10 0,10 12-128,1 3 128,1 9-256,3-2 0,2 3-4991,2-15-1,-2 3 640</inkml:trace>
+  <inkml:trace contextRef="#ctx0" brushRef="#br0" timeOffset="110306.491">9844 2454 15104,'0'0'256,"-9"-3"128,-4-7-128,5 8 0,3 2 127,10 25 129,10 15-256,8 10 0,10 12-128,1 3 128,1 9-256,3-2 0,2 3-4991,2-15-1,-2 3 640</inkml:trace>
   <inkml:trace contextRef="#ctx0" brushRef="#br0" timeOffset="145601.8">18591 3576 9728,'25'41'384,"-25"-41"-378,0 0 0,0 0 0,0 0 1,0 0-1,0 0 0,0 1 0,0-1 1,0 0-1,0 0 0,0 0 0,0 0 1,0 0-1,0 0 0,1 1 0,-1-1 1,0 0-1,0 0 0,0 0 0,0 0 0,0 0 1,0 0-1,0 0 0,1 0 0,-1 0 1,0 0-1,0 1 0,0-1 0,0 0 1,0 0-1,1 0 0,-1 0 0,0 0 1,0 0-1,0 0 0,0 0 0,0 0 1,1 0-1,-1 0 0,0 0 0,0 0 0,0 0 1,0 0-1,0 0 0,1-1 0,-1 1 1,0 0-1,0 0 0,0 0 0,0 0 1,0 0-1,0 0 0,1 0 0,-1 0 1,0 0-1,0-1 0,0 1 0,0 0 1,0 0-1,0 0 0,0 0 0,0 0 0,0 0 1,0-1-1,0 1-6,2-10 100,-1 9 190,8 65 126,-3 1-1,-2 0 1,-4 0 0,-2 1-416,1 36 342,2-57-411,4-16-3744,-1-18-1883</inkml:trace>
-  <inkml:trace contextRef="#ctx0" brushRef="#br0" timeOffset="145998.886">18754 3693 10112,'71'-8'460,"-1"-2"1,0-4-1,31-12-460,48-10 1008,-116 29-834,0 2 0,1 1 1,0 2-1,-1 1 0,1 1 0,0 2 0,0 2 1,-1 1-1,0 2 0,0 0 0,0 3 1,16 7-175,-43-14 69,0 0 0,0 1 0,0 0 0,0 0 1,-1 1-1,0 0 0,0-1 0,0 2 0,0-1 1,-1 0-1,0 1 0,0 0 0,0 0 0,-1 0 1,0 1-1,0-1 0,0 1 0,1 6-69,3 15 100,0 0 1,-2 0-1,-2 1 0,0 0-100,-2-19 39,3 58 153,-4 0 0,-2 0 0,-9 55-192,3-90-3371,3-19-5631</inkml:trace>
+  <inkml:trace contextRef="#ctx0" brushRef="#br0" timeOffset="145998.885">18754 3693 10112,'71'-8'460,"-1"-2"1,0-4-1,31-12-460,48-10 1008,-116 29-834,0 2 0,1 1 1,0 2-1,-1 1 0,1 1 0,0 2 0,0 2 1,-1 1-1,0 2 0,0 0 0,0 3 1,16 7-175,-43-14 69,0 0 0,0 1 0,0 0 0,0 0 1,-1 1-1,0 0 0,0-1 0,0 2 0,0-1 1,-1 0-1,0 1 0,0 0 0,0 0 0,-1 0 1,0 1-1,0-1 0,0 1 0,1 6-69,3 15 100,0 0 1,-2 0-1,-2 1 0,0 0-100,-2-19 39,3 58 153,-4 0 0,-2 0 0,-9 55-192,3-90-3371,3-19-5631</inkml:trace>
   <inkml:trace contextRef="#ctx0" brushRef="#br0" timeOffset="146233.258">18667 4335 12544,'0'0'0,"0"0"128,0 0 0,0 0 0,17-2 128,13-6 256,22 1 128,16-3-384,7-5 0,10-9-128,13 8 128,9-8-256,-4 8 0,1-4-11008</inkml:trace>
-  <inkml:trace contextRef="#ctx0" brushRef="#br0" timeOffset="146982.829">20391 3942 13824,'0'0'0,"0"0"0,0 0 0,56-20 0,-26 12 128,-3 1-128,3-1 128,-2 3-128,-4 0 128,-4-2-128,-7 2 128,-1 2-128,-4 1 0,-6-3-2176,-4-3 0,-1 1-4352</inkml:trace>
+  <inkml:trace contextRef="#ctx0" brushRef="#br0" timeOffset="146982.828">20391 3942 13824,'0'0'0,"0"0"0,0 0 0,56-20 0,-26 12 128,-3 1-128,3-1 128,-2 3-128,-4 0 128,-4-2-128,-7 2 128,-1 2-128,-4 1 0,-6-3-2176,-4-3 0,-1 1-4352</inkml:trace>
   <inkml:trace contextRef="#ctx0" brushRef="#br0" timeOffset="147154.719">20489 3723 12800,'10'14'0,"10"2"128,-12-6 128,-3-1 256,0 1 128,-1 0-256,1 15 0,0 2-128,1 6 0,1 2-128,-4 2 128,1 3-256,-4-7 0,-4-6-1152,4-9 0,0-1-8448</inkml:trace>
   <inkml:trace contextRef="#ctx0" brushRef="#br0" timeOffset="147800.757">20837 3543 13824,'7'114'382,"-3"-70"-51,-1-1 1,-3 5-332,-11 92 1088,-26 121-1088,32-291-785,1 14 461,-17-86-1384,13 68 1142,1 0-1,2 0 1,1 0-1,1 0 1,2-21 566,2 46 136,0-1 1,0 1-1,1 0 1,0 0-1,1 0 1,0 0 0,0 0-1,1 0 1,0 1-1,0-1 1,1 1-1,0 0 1,1 1-1,0-1 1,0 1-1,1 0 1,-1 1-1,1 0 1,1 0 0,-1 0-1,1 1 1,4-2-137,7-4 243,0 1 1,0 1 0,1 1-1,1 0 1,-1 2 0,1 0-1,0 2 1,0 0 0,1 1 0,-1 2-1,15 0-243,-20 1 85,1 1-1,-1 1 0,0 1 1,1 0-1,-1 1 1,-1 1-1,1 0 0,-1 1 1,0 1-1,0 1 1,-1 0-1,1 0 0,-2 2 1,0 0-1,7 6-84,-9-6 68,0 1 0,0 0-1,-1 1 1,0 0 0,-1 1 0,-1 0-1,0 0 1,-1 1 0,0 0 0,-1 0 0,-1 1-1,0 0 1,-1 0 0,0 0 0,-2 0-1,1 0 1,-1 14-68,-3-23 7,1-1 0,-1 1 0,-1-1 0,1 1 0,-1-1 0,0 0 0,0 1 0,0-1 0,-1 0 0,0 0 0,0 0-1,0-1 1,0 1 0,-1-1 0,0 0 0,0 0 0,0 0 0,0 0 0,-4 1-7,-13 10-140,0-1 1,-1-1-1,-19 9 140,22-13-140,-12 6-191,0-1 0,-1-2-1,0-2 1,-1 0 0,-29 3 331,-8-2-142,0-4-1,-24-2 143,89-6 499,21-1-144,45-11 220,89-38-70,127-38-2695,-203 70-8604</inkml:trace>
   <inkml:trace contextRef="#ctx0" brushRef="#br0" timeOffset="150181.919">19997 4964 9984,'-137'-36'1514,"129"35"-1511,-1 0 0,1 1-1,0 0 1,0 1 0,0 0-1,0 0 1,0 1 0,-6 1-3,-31 6 0,-370 41 57,-76 8-881,258-39-1033,-27-10 1857,-21-9-1088,-261-35 1088,530 33-46,-1 0 1,1 1 0,-1 1-1,1 0 1,0 1 0,-1 0-1,1 0 1,-4 2 45,16-3-5,-1 1-1,1-1 0,-1 0 1,1 0-1,-1 0 1,1 0-1,-1 0 0,1 1 1,0-1-1,-1 0 1,1 0-1,-1 1 1,1-1-1,0 0 0,-1 1 1,1-1-1,-1 0 1,1 1-1,0-1 0,0 0 1,-1 1-1,1-1 1,0 1-1,0-1 1,-1 1-1,1-1 6,8 7-331,20 1-110,-21-9 508,0 2 1,0-1 0,0 1-1,0 0 1,0 0 0,1 1-68,-5-1 106,0 0 1,0 1 0,0-1-1,0 1 1,0 0-1,-1 0 1,1 0 0,-1 0-1,1 0 1,-1 1 0,0-1-1,0 1 1,0-1-1,1 2-106,5 8 243,13 17 531,-2 1-1,7 15-773,-21-33 113,1 0-1,-2 0 0,0 0 0,0 0 1,-1 1-1,-1-1 0,0 1 0,0 10-112,-3 13 93,-1-1 0,-2 1 0,-1-1-1,-2 0 1,-2-1 0,-1 2-93,-13 60 105,21-91-96,1 0 1,0 0 0,0 0-1,1 0 1,-1 0 0,1 1 0,0-1-1,1 0 1,-1 0 0,1 0-1,1 5-9,-1-10 3,-1 0-1,1 1 1,0-1-1,-1 0 1,1 1-1,0-1 1,-1 0-1,1 0 1,0 1 0,0-1-1,-1 0 1,1 0-1,0 0 1,0 0-1,-1 0 1,1 0-1,0 0 1,0 0-1,-1 0 1,1-1-1,0 1 1,-1 0-1,1 0 1,0-1-1,0 1 1,-1 0-1,1-1 1,-1 1-1,1-1 1,0 1-1,-1-1-2,30-16 67,-26 14-62,38-21 27,1 1 0,14-3-32,-35 17 12,1 1 1,-1 2 0,1 0 0,1 1 0,18-1-13,293-26 223,495-55 834,-666 68-545,2 8 0,59 7-512,-213 4-30,0-2 0,0 1 1,0-1-1,0-1 1,0 0-1,0-1 1,-1 0-1,1-1 1,-1 0-1,0-1 1,-1 0-1,1 0 1,2-4 29,15-7-2198,1 2-5716</inkml:trace>
   <inkml:trace contextRef="#ctx0" brushRef="#br0" timeOffset="150427.271">20041 4902 9728,'0'15'0,"0"10"384,0 12 0,0 12 0,-9 7 128,-1 15 0,-3-1 0,-4 0-384,1-5 128,-3-2-384,4-11 128,2 2-9088</inkml:trace>
   <inkml:trace contextRef="#ctx0" brushRef="#br0" timeOffset="153363.417">21437 4879 11648,'-3'25'0,"1"15"128,2 9 0,0 6 256,2 6 128,5 8-128,-1-9 0,3 2-384,-3-12 128,-1-10-128,-1-7 128,-3-11-640,-1-4 128,0-2-8832</inkml:trace>
-  <inkml:trace contextRef="#ctx0" brushRef="#br0" timeOffset="153699.489">21546 4944 12672,'61'6'177,"1"-3"0,-1-3 0,1-3 0,55-9-177,-15 2 188,14 5-188,38 4 287,227-7 450,-371 8-722,-1-1 81,0 0 0,0 1 0,0 1-1,9 0-95,-16 0 21,0-1 0,0 1-1,0-1 1,0 1 0,0 0-1,0-1 1,0 1 0,0 0-1,-1 0 1,1 1 0,0-1 0,-1 0-1,1 0 1,-1 1 0,1-1-1,-1 1 1,0-1 0,1 1-1,-1 0 1,0 0 0,0-1-1,0 1 1,0 1-21,5 18 124,-1 0 0,-1 0 1,-1 0-1,-1 0 0,-1 1 0,-1 7-124,2 16 172,3 104-116,-5-85-2650,0-29-6771</inkml:trace>
+  <inkml:trace contextRef="#ctx0" brushRef="#br0" timeOffset="153699.488">21546 4944 12672,'61'6'177,"1"-3"0,-1-3 0,1-3 0,55-9-177,-15 2 188,14 5-188,38 4 287,227-7 450,-371 8-722,-1-1 81,0 0 0,0 1 0,0 1-1,9 0-95,-16 0 21,0-1 0,0 1-1,0-1 1,0 1 0,0 0-1,0-1 1,0 1 0,0 0-1,-1 0 1,1 1 0,0-1 0,-1 0-1,1 0 1,-1 1 0,1-1-1,-1 1 1,0-1 0,1 1-1,-1 0 1,0 0 0,0-1-1,0 1 1,0 1-21,5 18 124,-1 0 0,-1 0 1,-1 0-1,-1 0 0,-1 1 0,-1 7-124,2 16 172,3 104-116,-5-85-2650,0-29-6771</inkml:trace>
   <inkml:trace contextRef="#ctx0" brushRef="#br0" timeOffset="153978.075">21447 5510 13312,'17'-1'0,"8"-8"128,22 3 0,14-4 128,3 1 128,4 2 256,14 4 0,8 1-384,16-1 0,11 1-128,20-13 128,18-3-129,-19-2 1,-7 0-511,-21 3-1,2 2-11008</inkml:trace>
   <inkml:trace contextRef="#ctx0" brushRef="#br0" timeOffset="157013.925">19136 5649 7296,'-1'0'34,"0"0"1,1 1-1,-1-1 1,1 0-1,-1 0 0,1 0 1,-1 1-1,0-1 1,1 0-1,-1 0 1,0 0-1,1 0 1,-1 0-1,1 0 1,-1 0-1,0-1 0,1 1 1,-1 0-1,1 0 1,-1 0-1,0-1 1,1 1-1,-1 0 1,1-1-35,-18-1 453,-63 24 83,19-3-454,4-4-52,-8 3 30,-1-3 0,-56 4-60,25-7 206,0 4 0,1 4 0,-55 20-206,124-32 39,-17 6 5,-1-3 0,-13 1-44,44-9 33,0-2 0,0 0 1,-1-1-1,1 0 1,0-1-1,0-1 0,0 0 1,0-1-1,-3-2-33,11 3 15,-1 0 0,0 1 0,1 0 0,-1 0 0,0 0 0,0 1-1,0 0 1,0 1 0,0 0 0,0 0 0,1 1 0,-1 0 0,0 0 0,1 1 0,-2 0-15,-13 8 46,2 0 0,-1 1 0,2 1 0,-8 7-46,-17 11 595,43-30-582,1-1 1,-1 1-1,1-1 1,-1 1-1,1 0 1,-1-1 0,1 1-1,-1-1 1,1 1-1,0 0 1,-1-1-1,1 1 1,0 0-1,0-1 1,-1 1-1,1 0 1,0-1 0,0 1-1,0 0 1,0 0-1,0-1 1,0 1-1,0 0 1,0 0-1,0-1 1,0 1 0,1 0-1,-1-1 1,0 1-1,0 0 1,1-1-1,-1 1-13,14 24 244,-9-18-153,4 9 12,-1 1 0,0 0 0,-1 0 0,-1 1 1,-1 0-1,0 0 0,-1 1 0,-1-1 0,-1 1 0,-1-1 1,0 12-104,-3 23 212,-1 0-1,-3 0 1,-8 24-212,27-84 40,0 1-1,0 1 1,0 0-1,1 1-39,55-24-8,62-27 120,42-8-112,-35 13 122,-53 21-88,3 4 0,19-1-34,179-28 20,-146 30-321,-62 11-4435,19 2 4736,-22 3-5909</inkml:trace>
-  <inkml:trace contextRef="#ctx0" brushRef="#br0" timeOffset="157281.825">19126 5514 12288,'8'21'0,"2"13"0,3 12 0,4 10 0,0 9 0,-4 3 128,-1 4 128,-4 6-128,-3-12 0,-3-15-640,1-1 128,0 4-8064</inkml:trace>
+  <inkml:trace contextRef="#ctx0" brushRef="#br0" timeOffset="157281.824">19126 5514 12288,'8'21'0,"2"13"0,3 12 0,4 10 0,0 9 0,-4 3 128,-1 4 128,-4 6-128,-3-12 0,-3-15-640,1-1 128,0 4-8064</inkml:trace>
   <inkml:trace contextRef="#ctx0" brushRef="#br0" timeOffset="157994.609">17914 6711 11008,'13'11'148,"0"2"0,0-1 0,-1 1 0,-1 1 0,0 0 0,-1 1 0,0 0 0,-2 0 0,0 1 0,0 0 0,4 15-148,4 23 249,-2 0 0,-2 2 0,-2 8-249,-8-53 14,76 570 1181,-16 155-1195,-48-448 192,-13 1 0,-14 34-192,8-250 40,-12 128 77,12-160-99,-3-1 1,-1 1 0,-12 29-19,-43 89-896,64-158 706,-1 1-1,1 0 1,-1-1 0,0 1 0,1 0-1,-1-1 1,0 1 0,0-1 0,0 1-1,0-1 1,0 1 0,0-1 0,-1 0-1,1 0 1,0 0 0,-1 1 0,1-1-1,-1 0 191,1-2-206,0 1 0,0 0-1,0-1 1,-1 1 0,1-1-1,0 0 1,0 1-1,0-1 1,0 0 0,0 1-1,0-1 1,0 0 0,0 0-1,0 0 1,0 0 0,1 0-1,-1 0 1,0 0-1,1 0 1,-1-1 206,-21-28-3669</inkml:trace>
   <inkml:trace contextRef="#ctx0" brushRef="#br0" timeOffset="158514.618">17849 6748 12416,'0'-8'53,"0"1"0,0 0 1,1 0-1,0-1 0,0 1 1,0 0-1,1 0 0,1 0 1,0-3-54,0 6 34,-1 0 0,0 1 0,1-1 0,0 1 0,0 0 0,0 0 0,0 0 0,0 0 0,1 0 0,-1 1 0,1 0 0,0-1 0,0 1 0,0 0 0,0 1 0,2-2-34,8-1 40,-1 0 1,1 1-1,0 0 0,0 1 1,0 1-1,0 0 1,1 1-1,1 0-40,36 4 460,33 7-460,-18-2 198,-50-7-171,477 50 480,-276-38-209,63-9-298,-68-18 152,-1-10 0,6-10-152,-125 19 37,191-36 29,15-17-66,276-84 66,-198 49-48,-184 56-24,35 2 6,-110 27 14,0 6-1,73 2-13,-159 9 20,0 1 0,0 2-1,0 1 1,0 2 0,-1 1 0,31 11-20,-48-13 15,1 1-1,-1 0 1,0 2 0,-1 0 0,0 0 0,0 1 0,-1 0-1,0 1 1,0 1 0,-1 0 0,-1 0 0,0 1 0,0 1-1,-1 0 1,1 3-15,7 16 30,-2 1 0,-1 0 0,-2 1 0,-1 1 0,-2 0 0,-1 0 0,0 10-30,7 78 272,-2 60-272,-9-109 51,5 62 55,19 536 556,-33-449-413,-10-1 0,-13 23-249,4-96-706,-6-1 0,-7-1-1,-33 77 707,57-190-2338,-1 0 0,-1-1 0,-2 0 0,-1-1 0,-17 21 2338,-28 34-1152</inkml:trace>
   <inkml:trace contextRef="#ctx0" brushRef="#br0" timeOffset="158814.676">17720 10244 15616,'29'5'0,"14"4"0,30 3 128,28 3-128,57-7 128,44-1 0,36-27 0,37-17-128,22-7 128,31-6-128,47-22 128,43-18-128,-14 2 127,1-9-127,1 28 0,-2 23-5887,-46 17 127,-1-1 3968</inkml:trace>
-  <inkml:trace contextRef="#ctx0" brushRef="#br0" timeOffset="795527.417">11579 36 13184,'-147'-30'490,"100"26"-412,-1 3-1,-28 2-77,-36 1 101,-49-3-87,0 8-1,-8 8-13,-317 54-5,232-30 5,-61 11 0,79-8 0,-1-10 0,-67-6 0,258-24 0,-297 19 0,-665 55 128,762-63-128,-123 4 0,346-17 4,-790 39-158,536-19-80,-94-13 234,80-4-22,-218-3-63,351-6 38,-243-3-439,-844-22 230,972 4 224,130 10-27,0 6 0,-89 7 59,73 13-159,-1 7-1,-65 18 160,145-17-64,0 3 0,2 4 0,1 2-1,1 5 1,-48 26 64,92-39 4,1 2 0,0 0-1,2 2 1,0 1-1,2 2 1,0 0 0,-13 19-4,9-6 19,2 2 1,1 0-1,2 2 0,2 1 1,-5 16-20,-3 16 53,3 0-1,-17 75-52,11-4 50,3 15-50,-35 362 143,28 5 141,7-73-93,9-162 983,13 262-1174,14-450 182,76 1144 1534,-12-244-1023,-62 3-362,32 231-42,-35-1175-279,9 930 240,-14-696-159,23 598 141,0-120-37,-22-336-89,-55 395-106,-112 1091 491,107-1108-342,13-337-127,15 251-22,32-609 98,0 70 294,23 184-392,-16-330 95,2 1 0,2-2 0,3 4-95,-10-37 19,2 0 0,-1-1 0,2 0 0,-1 0 1,2 0-1,-1 0 0,2-1 0,0 0 0,0-1 0,1 0 0,0 0 1,0-1-1,3 2-19,-6-7 10,0 0 1,1-1 0,0 0 0,-1 0 0,1 0-1,1 0 1,-1-1 0,0-1 0,0 1-1,1-1 1,-1 0-11,19 1 38,0-1 1,13-2-39,-24 0 18,180-7 7,81-2-50,194-10-56,-146 2 55,-114 10 26,131-6 0,156 21 0,820 103 0,-713-35-4,262 25 30,564 1 392,-992-72-239,338-1 20,4-32 157,628-72 113,-1031 31-458,-1-16-1,204-67-10,-498 106 10,-1-4-1,-1-3 0,-1-4 1,39-24-10,-66 28 11,-1-1 1,-2-3-1,-1-2 1,-2-3-1,-2-1 1,38-42-12,-61 56 19,0-1 0,-2-1-1,-1 0 1,-1-2 0,-2 0 0,-1-1-1,2-7-18,0-7 32,-2-1-1,-3 0 0,-1-1 0,3-34-31,-5-6 60,-3-1-1,-4-14-59,-12-171 110,7 204-83,-29-416 506,-54-221-533,68 587 73,-133-963 238,61-91-319,42 493 123,-25-153 31,21 266-143,18-127-3,28 1 0,6 419 0,-23-441 0,1 103 0,10 108 0,-2-250 0,9 237 0,1-182 0,-10-292 0,3 537 0,-63-949 128,44 1060-21,13-148-107,19 389 11,-4 0-1,-13-67-10,-94-512-256,56 401-1983,13 92-5568,36 163 6163,-15-64-5353</inkml:trace>
+  <inkml:trace contextRef="#ctx0" brushRef="#br0" timeOffset="-63466.043">11579 36 13184,'-147'-30'490,"100"26"-412,-1 3-1,-28 2-77,-36 1 101,-49-3-87,0 8-1,-8 8-13,-317 54-5,232-30 5,-61 11 0,79-8 0,-1-10 0,-67-6 0,258-24 0,-297 19 0,-665 55 128,762-63-128,-123 4 0,346-17 4,-790 39-158,536-19-80,-94-13 234,80-4-22,-218-3-63,351-6 38,-243-3-439,-844-22 230,972 4 224,130 10-27,0 6 0,-89 7 59,73 13-159,-1 7-1,-65 18 160,145-17-64,0 3 0,2 4 0,1 2-1,1 5 1,-48 26 64,92-39 4,1 2 0,0 0-1,2 2 1,0 1-1,2 2 1,0 0 0,-13 19-4,9-6 19,2 2 1,1 0-1,2 2 0,2 1 1,-5 16-20,-3 16 53,3 0-1,-17 75-52,11-4 50,3 15-50,-35 362 143,28 5 141,7-73-93,9-162 983,13 262-1174,14-450 182,76 1144 1534,-12-244-1023,-62 3-362,32 231-42,-35-1175-279,9 930 240,-14-696-159,23 598 141,0-120-37,-22-336-89,-55 395-106,-112 1091 491,107-1108-342,13-337-127,15 251-22,32-609 98,0 70 294,23 184-392,-16-330 95,2 1 0,2-2 0,3 4-95,-10-37 19,2 0 0,-1-1 0,2 0 0,-1 0 1,2 0-1,-1 0 0,2-1 0,0 0 0,0-1 0,1 0 0,0 0 1,0-1-1,3 2-19,-6-7 10,0 0 1,1-1 0,0 0 0,-1 0 0,1 0-1,1 0 1,-1-1 0,0-1 0,0 1-1,1-1 1,-1 0-11,19 1 38,0-1 1,13-2-39,-24 0 18,180-7 7,81-2-50,194-10-56,-146 2 55,-114 10 26,131-6 0,156 21 0,820 103 0,-713-35-4,262 25 30,564 1 392,-992-72-239,338-1 20,4-32 157,628-72 113,-1031 31-458,-1-16-1,204-67-10,-498 106 10,-1-4-1,-1-3 0,-1-4 1,39-24-10,-66 28 11,-1-1 1,-2-3-1,-1-2 1,-2-3-1,-2-1 1,38-42-12,-61 56 19,0-1 0,-2-1-1,-1 0 1,-1-2 0,-2 0 0,-1-1-1,2-7-18,0-7 32,-2-1-1,-3 0 0,-1-1 0,3-34-31,-5-6 60,-3-1-1,-4-14-59,-12-171 110,7 204-83,-29-416 506,-54-221-533,68 587 73,-133-963 238,61-91-319,42 493 123,-25-153 31,21 266-143,18-127-3,28 1 0,6 419 0,-23-441 0,1 103 0,10 108 0,-2-250 0,9 237 0,1-182 0,-10-292 0,3 537 0,-63-949 128,44 1060-21,13-148-107,19 389 11,-4 0-1,-13-67-10,-94-512-256,56 401-1983,13 92-5568,36 163 6163,-15-64-5353</inkml:trace>
 </inkml:ink>
 </file>
 
@@ -337,7 +342,7 @@
           <a:p>
             <a:fld id="{FD187567-F450-4F7C-8811-F547CDEC17E2}" type="datetimeFigureOut">
               <a:rPr lang="ko-KR" altLang="en-US" smtClean="0"/>
-              <a:t>2018-11-29</a:t>
+              <a:t>2018-11-30</a:t>
             </a:fld>
             <a:endParaRPr lang="ko-KR" altLang="en-US"/>
           </a:p>
@@ -535,7 +540,7 @@
           <a:p>
             <a:fld id="{FD187567-F450-4F7C-8811-F547CDEC17E2}" type="datetimeFigureOut">
               <a:rPr lang="ko-KR" altLang="en-US" smtClean="0"/>
-              <a:t>2018-11-29</a:t>
+              <a:t>2018-11-30</a:t>
             </a:fld>
             <a:endParaRPr lang="ko-KR" altLang="en-US"/>
           </a:p>
@@ -743,7 +748,7 @@
           <a:p>
             <a:fld id="{FD187567-F450-4F7C-8811-F547CDEC17E2}" type="datetimeFigureOut">
               <a:rPr lang="ko-KR" altLang="en-US" smtClean="0"/>
-              <a:t>2018-11-29</a:t>
+              <a:t>2018-11-30</a:t>
             </a:fld>
             <a:endParaRPr lang="ko-KR" altLang="en-US"/>
           </a:p>
@@ -941,7 +946,7 @@
           <a:p>
             <a:fld id="{FD187567-F450-4F7C-8811-F547CDEC17E2}" type="datetimeFigureOut">
               <a:rPr lang="ko-KR" altLang="en-US" smtClean="0"/>
-              <a:t>2018-11-29</a:t>
+              <a:t>2018-11-30</a:t>
             </a:fld>
             <a:endParaRPr lang="ko-KR" altLang="en-US"/>
           </a:p>
@@ -1216,7 +1221,7 @@
           <a:p>
             <a:fld id="{FD187567-F450-4F7C-8811-F547CDEC17E2}" type="datetimeFigureOut">
               <a:rPr lang="ko-KR" altLang="en-US" smtClean="0"/>
-              <a:t>2018-11-29</a:t>
+              <a:t>2018-11-30</a:t>
             </a:fld>
             <a:endParaRPr lang="ko-KR" altLang="en-US"/>
           </a:p>
@@ -1481,7 +1486,7 @@
           <a:p>
             <a:fld id="{FD187567-F450-4F7C-8811-F547CDEC17E2}" type="datetimeFigureOut">
               <a:rPr lang="ko-KR" altLang="en-US" smtClean="0"/>
-              <a:t>2018-11-29</a:t>
+              <a:t>2018-11-30</a:t>
             </a:fld>
             <a:endParaRPr lang="ko-KR" altLang="en-US"/>
           </a:p>
@@ -1893,7 +1898,7 @@
           <a:p>
             <a:fld id="{FD187567-F450-4F7C-8811-F547CDEC17E2}" type="datetimeFigureOut">
               <a:rPr lang="ko-KR" altLang="en-US" smtClean="0"/>
-              <a:t>2018-11-29</a:t>
+              <a:t>2018-11-30</a:t>
             </a:fld>
             <a:endParaRPr lang="ko-KR" altLang="en-US"/>
           </a:p>
@@ -2034,7 +2039,7 @@
           <a:p>
             <a:fld id="{FD187567-F450-4F7C-8811-F547CDEC17E2}" type="datetimeFigureOut">
               <a:rPr lang="ko-KR" altLang="en-US" smtClean="0"/>
-              <a:t>2018-11-29</a:t>
+              <a:t>2018-11-30</a:t>
             </a:fld>
             <a:endParaRPr lang="ko-KR" altLang="en-US"/>
           </a:p>
@@ -2147,7 +2152,7 @@
           <a:p>
             <a:fld id="{FD187567-F450-4F7C-8811-F547CDEC17E2}" type="datetimeFigureOut">
               <a:rPr lang="ko-KR" altLang="en-US" smtClean="0"/>
-              <a:t>2018-11-29</a:t>
+              <a:t>2018-11-30</a:t>
             </a:fld>
             <a:endParaRPr lang="ko-KR" altLang="en-US"/>
           </a:p>
@@ -2458,7 +2463,7 @@
           <a:p>
             <a:fld id="{FD187567-F450-4F7C-8811-F547CDEC17E2}" type="datetimeFigureOut">
               <a:rPr lang="ko-KR" altLang="en-US" smtClean="0"/>
-              <a:t>2018-11-29</a:t>
+              <a:t>2018-11-30</a:t>
             </a:fld>
             <a:endParaRPr lang="ko-KR" altLang="en-US"/>
           </a:p>
@@ -2746,7 +2751,7 @@
           <a:p>
             <a:fld id="{FD187567-F450-4F7C-8811-F547CDEC17E2}" type="datetimeFigureOut">
               <a:rPr lang="ko-KR" altLang="en-US" smtClean="0"/>
-              <a:t>2018-11-29</a:t>
+              <a:t>2018-11-30</a:t>
             </a:fld>
             <a:endParaRPr lang="ko-KR" altLang="en-US"/>
           </a:p>
@@ -2987,7 +2992,7 @@
           <a:p>
             <a:fld id="{FD187567-F450-4F7C-8811-F547CDEC17E2}" type="datetimeFigureOut">
               <a:rPr lang="ko-KR" altLang="en-US" smtClean="0"/>
-              <a:t>2018-11-29</a:t>
+              <a:t>2018-11-30</a:t>
             </a:fld>
             <a:endParaRPr lang="ko-KR" altLang="en-US"/>
           </a:p>
@@ -3882,8 +3887,8 @@
           </a:p>
         </p:txBody>
       </p:sp>
-      <mc:AlternateContent xmlns:mc="http://schemas.openxmlformats.org/markup-compatibility/2006">
-        <mc:Choice xmlns:p14="http://schemas.microsoft.com/office/powerpoint/2010/main" Requires="p14">
+      <mc:AlternateContent xmlns:mc="http://schemas.openxmlformats.org/markup-compatibility/2006" xmlns:p14="http://schemas.microsoft.com/office/powerpoint/2010/main">
+        <mc:Choice Requires="p14">
           <p:contentPart p14:bwMode="auto" r:id="rId2">
             <p14:nvContentPartPr>
               <p14:cNvPr id="144" name="잉크 143">
@@ -3902,7 +3907,7 @@
             </p14:xfrm>
           </p:contentPart>
         </mc:Choice>
-        <mc:Fallback>
+        <mc:Fallback xmlns="">
           <p:pic>
             <p:nvPicPr>
               <p:cNvPr id="144" name="잉크 143">

--- a/Documents/Layout.pptx
+++ b/Documents/Layout.pptx
@@ -6,6 +6,7 @@
   </p:sldMasterIdLst>
   <p:sldIdLst>
     <p:sldId id="256" r:id="rId2"/>
+    <p:sldId id="257" r:id="rId3"/>
   </p:sldIdLst>
   <p:sldSz cx="12192000" cy="6858000"/>
   <p:notesSz cx="6858000" cy="9144000"/>
@@ -137,7 +138,7 @@
     </inkml:brush>
   </inkml:definitions>
   <inkml:trace contextRef="#ctx0" brushRef="#br0">9529 1940 16000,'-1331'75'-640,"501"-77"579,4-31 20,-550-5 15,1116 40 26,-980-17 0,455-10 0,577 30 0,1 8 0,-154 33 0,319-39 0,1 1 0,0 2 0,1 2 0,0 2 0,1 1 0,-3 4 0,30-13 0,1 0 0,-1 1 0,1 1 0,0 0 0,1 0 0,0 1 0,0 1 0,1-1 0,0 1 0,1 1 0,0 0 0,1 0 0,0 1 0,0-1 0,1 1 0,1 1 0,0-1 0,1 1 0,0 0 0,-1 11 0,1 6 4,2-1 0,0 1 0,2-1 0,2 1 0,0-1 0,5 16-4,13 54 72,11 28-72,-14-61 32,54 228 288,-13 4 0,-12 18-320,27 858 1124,-61-868-841,19 387 195,15 369-38,-19 144-18,-48 0-226,-89 380 316,-113 306-512,35-338 235,177-1434-212,-53 785-46,64-902 21,-1 0 1,1-1-1,0 1 0,0 0 0,0 0 0,0 0 1,1-1-1,-1 1 0,1 0 0,0 0 1,0-1-1,0 1 0,0-1 0,0 1 0,0-1 1,1 1-1,-1-1 0,1 0 0,0 0 1,0 1-1,0-1 0,0 0 0,0-1 1,0 1-1,0 0 0,0-1 0,1 1 0,-1-1 1,1 0-1,-1 1 0,1-1 0,-1-1 1,1 1-1,0 0 0,0-1 0,-1 1 0,1-1 1,1 0 1,11 1-7,0-2 1,0 0-1,0-1 1,0-1-1,0 0 1,8-3 6,-17 4-1,199-47 1,3 8 0,0 10 0,58 4 0,92 15 0,53 17 0,776-24 117,-920 9-106,1017-65 267,-850 46-55,280-24 23,-480 29-212,722-64 188,-887 83-235,549-54 109,-507 41-464,0-4 1,-1-6 0,-1-4-1,44-22 368,-15-4-3029,-2 2-8021</inkml:trace>
-  <inkml:trace contextRef="#ctx0" brushRef="#br0" timeOffset="635.301">10747 2454 17663,'168'1063'0,"-55"3"0,-58 639 707,-11-169 80,136 562 395,146-27-252,-215-1557-711,10 53-54,-26 0-59,-76-408-370,24 177-2992,-10-116-9223</inkml:trace>
+  <inkml:trace contextRef="#ctx0" brushRef="#br0" timeOffset="635.3">10747 2454 17663,'168'1063'0,"-55"3"0,-58 639 707,-11-169 80,136 562 395,146-27-252,-215-1557-711,10 53-54,-26 0-59,-76-408-370,24 177-2992,-10-116-9223</inkml:trace>
   <inkml:trace contextRef="#ctx0" brushRef="#br0" timeOffset="34467.882">1893 3992 10496,'27'-20'-3,"0"0"0,0 2 0,2 1-1,0 2 1,1 0 0,1 2 0,9-2 3,42-6-5,0 3-1,66-4 6,169-6 259,-226 22-229,1194-79 716,180-2-237,2 27-79,651-21 679,-1387 51-704,-226 8-1229,-169 9-3002,-197 8-2019</inkml:trace>
   <inkml:trace contextRef="#ctx0" brushRef="#br0" timeOffset="48992.67">7717 2411 12032,'-12'0'0,"0"-1"0,0 1 0,0-2 0,0 0 0,-11-3 0,-15-3 23,0 2 1,0 1-1,0 3 0,-1 1 1,-22 2-24,8 0 11,19-1-11,-60 0 0,-92 11 0,-210 30 108,52-7 40,-96 10 214,-58-17-362,410-25 14,-279 11 100,148-2-39,-2-9 0,-126-18-75,252 7 117,-1 4 0,-48 5-117,102 3 9,-59 3 110,-53-6-119,54-4 27,-28 6-27,82 1-2,1 2 0,-1 2 1,-41 12 1,18 2 36,36-10 10,-1-2 0,-23 3-46,55-11 0,1-1 0,-1 0 0,0 0 0,1 0 0,-1-1 0,1 1 0,-1 0 0,0-1 0,1 1 0,-1 0 0,1-1 0,-1 0 0,1 1 0,-1-1 0,1 0 0,1 1 0,-1-1 0,0 1 0,0-1 0,1 1 0,-1 0 0,0-1 0,0 1 0,0 0 0,1 0 0,-1 0 0,0 0 0,0 0 0,0 0 0,0 0 0,1 0 0,-1 0 0,0 0 0,0 0 0,0 0 0,0 1 0,1-1 0,-1 0 0,0 1 0,0-1 0,1 0 0,-1 1 0,0-1 0,-9 6-8,0-1 1,0 0-1,0-1 1,-1 0 0,0-1-1,1 0 1,-10 1 7,12-3-6,0 0 1,-1 1-1,1 0 1,0 1 0,1 0-1,-1 0 1,0 0-1,1 1 1,0 0-1,0 1 1,0 0-1,0 0 1,1 0 0,-1 1 5,4-2 1,0 1 0,0-1 0,1 1 0,-1 0 0,1 0 0,0 0 0,0 0 0,1 1 0,0-1 0,-1 0 0,2 1 1,-1-1-1,1 0 0,0 1 0,0-1 0,0 1 0,1 2-1,3 17 18,0-1 1,2 1-1,4 9-18,6 28 55,-10-19 24,-1 1 1,-3-1-1,-1 1 1,-2-1-1,-2 1 1,-2-1-1,-2 0 1,-2-1-1,-2 0 1,-1 0-1,-10 20-79,20-59 3,1 0-1,0 0 1,0 0-1,1 0 1,-1 0-1,0 1 0,1-1 1,0 0-1,0 0 1,0 0-1,0 3-2,1-5 5,-1 1 0,1-1-1,-1 0 1,1 1 0,0-1 0,0 0-1,0 0 1,0 0 0,-1 0-1,1 0 1,1 0 0,-1 0-1,0 0 1,0 0 0,0 0 0,0 0-1,1 0 1,-1-1 0,0 1-1,1-1 1,-1 1 0,0-1-1,1 1 1,-1-1 0,1 0 0,0 0-5,6 1 17,0-1 0,0 0 0,1 0 0,-1-1 0,0 0 0,0 0 0,0-1 0,0 0 1,0 0-1,5-3-17,23-5 63,69-8-55,0 5 1,1 4-1,2 5-8,63-6-3,259-18 55,121-9 24,-451 29-76,396-28 0,399-34 7,-762 57 7,171-23 104,80-7 20,-317 38-114,39-2 59,98-21-83,-23-5 21,48 3-21,-226 30 11,-1 0 0,1-1 1,-1 1-1,0 0 0,0-1 0,1 1 1,-1-1-1,0 0 0,0 0 0,0 0 1,0 0-1,0 0 0,0 0 0,0-1 1,0 1-1,2-2-11,-2 0 18,-1 0 0,1 0 1,-1 0-1,1-1 0,-1 1 0,0 0 1,0-1-1,0 1 0,-1-1 1,1-2-19,4-30 44,-2-1 1,-1 0 0,-2 1 0,-1-1 0,-3-5-45,-6-34 160,-18-69-160,22 120-43,0 0 0,-1 0 1,-1 0-1,-2 1 0,0 1 1,-2 0-1,-8-13 43,19 34-269,-14-12-3793,10 12-3468</inkml:trace>
   <inkml:trace contextRef="#ctx0" brushRef="#br0" timeOffset="49554.17">8449 2481 5248,'-51'-25'-38,"-39"-13"38,69 31 212,0 0 1,0 2-1,0 0 1,-1 2 0,0 0-1,-1 1-212,17 3 136,0-1 0,1 1 0,-1 0-1,0 0 1,1 0 0,-1 1 0,1 0 0,-1 0 0,1 0-1,0 1 1,0 0 0,0 0 0,0 0 0,1 0 0,-1 1-1,1 0 1,0 0 0,0 0 0,0 0 0,0 1-1,1 0 1,0-1 0,0 1 0,-2 5-136,-5 9 310,1 1 0,1 0 0,1 0 0,0 1 0,2 0 0,0 5-310,0-5 54,2 0 0,1 0 0,0 1 0,2-1 0,0 0 0,1 1 0,2-1 0,0 0 0,1 0 0,1 0 0,1 0-1,1-1 1,0 0 0,2 0 0,0-1 0,1 0 0,5 4-54,-10-17 27,-1 0 0,2-1 0,-1 1 1,1-1-1,0-1 0,0 1 0,0-1 0,0 0 0,1 0 0,0-1 0,0 0 0,0 0 0,0-1 0,0 1 0,0-2 0,1 1 0,-1-1 1,1 0-1,-1 0 0,7-1-27,7 0 66,0-1 0,0 0 0,-1-2 1,1 0-1,0-1 0,17-7-66,-22 6 51,0-1 0,-1 0 1,1-1-1,-1-1 0,-1-1 0,1 0 0,-2 0 1,1-2-1,-1 0 0,-1 0 0,0-1 0,-1 0 1,0-1-1,-1-1 0,0 0 0,-1 0 0,0 0 1,-2-1-1,0-1 0,1-3-51,-5 9 58,-1-1 0,-1 1-1,0 0 1,0-1 0,-1 1 0,0 0 0,-1-1 0,0 1 0,-1-1 0,0 1-1,0 0 1,-1 0 0,-1 0 0,1 1 0,-2-1 0,1 1 0,-6-8-58,-6-10 114,-2 1 1,0 1 0,-2 0-1,0 1 1,-11-7-115,17 17-36,-7-7-840,0 1 0,-6-3 876,18 16-1174,1 1 0,-1 1 0,-1 0 0,1 0 0,-1 0 1174,-23-9-4928</inkml:trace>
@@ -158,7 +159,7 @@
   <inkml:trace contextRef="#ctx0" brushRef="#br0" timeOffset="74333.458">4650 6260 7552,'3'0'384,"202"-14"1792,-53 4-1619,60-1-69,1155-48 1645,-916 40-1471,109 23-662,-249 3 512,281-30-512,-281-10 198,254-18-34,-513 51-1243,0 2 1,15 5 1078,-54-6-893,36 4-6915</inkml:trace>
   <inkml:trace contextRef="#ctx0" brushRef="#br0" timeOffset="74851.815">4872 6888 13952,'170'-29'0,"15"-2"0,-38 20 64,143 10-64,-110 3 64,133-5 190,400 2 846,-1 36-406,449 18-55,-938-55-148,22-11-491,-208 10 107,1 1-1,0 2 1,0 2 0,-1 2-1,5 2-106,-10-5 125,-15-3-237,-17 2 96,1 0 0,-1 0 0,0 0 0,0 0 0,1 0 0,-1 0 0,0-1 0,0 1 0,1 0 0,-1 0 0,0 0 0,0 0 0,0 0-1,1-1 1,-1 1 0,0 0 0,0 0 0,0 0 0,0 0 0,1-1 0,-1 1 0,0 0 0,0 0 0,0-1 0,0 1 0,0 0 0,0 0 0,0 0 0,1-1 0,-1 1 0,0 0 0,0 0-1,0-1 1,0 1 0,0 0 0,0 0 0,0-1 0,0 1 16,-1-1-122,1 1-1,-1-1 1,1 1-1,-1-1 1,1 1-1,-1-1 1,1 1-1,-1-1 0,1 1 1,-1 0-1,0-1 1,1 1-1,-1 0 1,0-1-1,1 1 1,-1 0-1,0 0 1,1 0-1,-1 0 1,0 0-1,1-1 1,-1 1-1,0 0 1,0 1-1,0-1 123,-22 1-1855,16 0 651,-32 1-5772</inkml:trace>
   <inkml:trace contextRef="#ctx0" brushRef="#br0" timeOffset="80287.231">9800 5961 9600,'9'5'0,"2"5"0,-9-5 0,-4-2 0,2-3 0,-8 6-128,8-6 128,0 0-6656</inkml:trace>
-  <inkml:trace contextRef="#ctx0" brushRef="#br0" timeOffset="81708.262">8882 8341 12544,'-630'-86'240,"286"45"-118,-197-23 28,-361 12-150,-766 79-768,1576-22 674,-594 26-421,-1-34 249,-155-40 373,492 20 149,325 22-231,0 1-1,0 2 1,1 0 0,-1 1 0,0 2 0,-10 3-25,32-7 8,-1 0 0,0 0 0,0 1 0,1 0 0,-1-1 0,1 1 0,-1 1 0,1-1 1,0 0-1,0 1 0,-2 1-8,4-3 3,1 0 1,-1 1-1,0-1 1,1 0-1,-1 0 0,1 0 1,-1 0-1,1 1 1,-1-1-1,1 0 1,0 1-1,0-1 1,0 0-1,0 0 1,0 1-1,0-1 1,0 0-1,0 1 0,0-1 1,0 0-1,1 0 1,-1 1-1,1-1 1,-1 0-1,1 0 1,-1 0-1,1 1 1,0-1-1,-1 0 1,1 0-1,0 0 0,0 0 1,0 0-1,0 0 1,0-1-1,0 1-3,13 12 9,0 0 0,1-1 0,15 10-9,-11-10-3,-2 2 1,13 12 2,-10-5-16,-1 2 0,-1 1 0,-1 0 0,-1 1 0,-1 1 0,-1 0 0,-2 1 0,-1 0 0,0 1 0,-3 0 0,0 1 0,0 6 16,7 48-192,-4 0 0,-3 2 0,-4 56 192,-21 416-794,-1-144 1146,18-267-145,15 117-207,-8-209-247,2-1 1,2 0-1,3-1 1,2 0-1,2-1 1,3-1-1,1 0 1,3-2-1,21 31 247,47 69-5866</inkml:trace>
+  <inkml:trace contextRef="#ctx0" brushRef="#br0" timeOffset="81708.261">8882 8341 12544,'-630'-86'240,"286"45"-118,-197-23 28,-361 12-150,-766 79-768,1576-22 674,-594 26-421,-1-34 249,-155-40 373,492 20 149,325 22-231,0 1-1,0 2 1,1 0 0,-1 1 0,0 2 0,-10 3-25,32-7 8,-1 0 0,0 0 0,0 1 0,1 0 0,-1-1 0,1 1 0,-1 1 0,1-1 1,0 0-1,0 1 0,-2 1-8,4-3 3,1 0 1,-1 1-1,0-1 1,1 0-1,-1 0 0,1 0 1,-1 0-1,1 1 1,-1-1-1,1 0 1,0 1-1,0-1 1,0 0-1,0 0 1,0 1-1,0-1 1,0 0-1,0 1 0,0-1 1,0 0-1,1 0 1,-1 1-1,1-1 1,-1 0-1,1 0 1,-1 0-1,1 1 1,0-1-1,-1 0 1,1 0-1,0 0 0,0 0 1,0 0-1,0 0 1,0-1-1,0 1-3,13 12 9,0 0 0,1-1 0,15 10-9,-11-10-3,-2 2 1,13 12 2,-10-5-16,-1 2 0,-1 1 0,-1 0 0,-1 1 0,-1 1 0,-1 0 0,-2 1 0,-1 0 0,0 1 0,-3 0 0,0 1 0,0 6 16,7 48-192,-4 0 0,-3 2 0,-4 56 192,-21 416-794,-1-144 1146,18-267-145,15 117-207,-8-209-247,2-1 1,2 0-1,3-1 1,2 0-1,2-1 1,3-1-1,1 0 1,3-2-1,21 31 247,47 69-5866</inkml:trace>
   <inkml:trace contextRef="#ctx0" brushRef="#br0" timeOffset="82170.545">6224 10994 15744,'-9'32'0,"-7"23"0,19 9 0,7 2-2688,2 23 0,-1 11-1920,-1-10 0,2 2 5376</inkml:trace>
   <inkml:trace contextRef="#ctx0" brushRef="#br0" timeOffset="82320.579">6212 12329 17151,'-2'-15'0,"-1"-12"0,-2 64 0,0 1-12415</inkml:trace>
   <inkml:trace contextRef="#ctx0" brushRef="#br0" timeOffset="82470.499">5929 13591 17919,'8'8'0,"0"-1"-13055</inkml:trace>
@@ -176,18 +177,18 @@
   <inkml:trace contextRef="#ctx0" brushRef="#br0" timeOffset="110058.157">9757 2785 17535,'0'0'128,"0"0"0,0 0 0,93-10 0,-33 2 0,5-2 0,4 3 0,1-3-256,1 1 128,-2-1-2175,-18 5-1,1 0-7296</inkml:trace>
   <inkml:trace contextRef="#ctx0" brushRef="#br0" timeOffset="110306.491">9844 2454 15104,'0'0'256,"-9"-3"128,-4-7-128,5 8 0,3 2 127,10 25 129,10 15-256,8 10 0,10 12-128,1 3 128,1 9-256,3-2 0,2 3-4991,2-15-1,-2 3 640</inkml:trace>
   <inkml:trace contextRef="#ctx0" brushRef="#br0" timeOffset="145601.8">18591 3576 9728,'25'41'384,"-25"-41"-378,0 0 0,0 0 0,0 0 1,0 0-1,0 0 0,0 1 0,0-1 1,0 0-1,0 0 0,0 0 0,0 0 1,0 0-1,0 0 0,1 1 0,-1-1 1,0 0-1,0 0 0,0 0 0,0 0 0,0 0 1,0 0-1,0 0 0,1 0 0,-1 0 1,0 0-1,0 1 0,0-1 0,0 0 1,0 0-1,1 0 0,-1 0 0,0 0 1,0 0-1,0 0 0,0 0 0,0 0 1,1 0-1,-1 0 0,0 0 0,0 0 0,0 0 1,0 0-1,0 0 0,1-1 0,-1 1 1,0 0-1,0 0 0,0 0 0,0 0 1,0 0-1,0 0 0,1 0 0,-1 0 1,0 0-1,0-1 0,0 1 0,0 0 1,0 0-1,0 0 0,0 0 0,0 0 0,0 0 1,0-1-1,0 1-6,2-10 100,-1 9 190,8 65 126,-3 1-1,-2 0 1,-4 0 0,-2 1-416,1 36 342,2-57-411,4-16-3744,-1-18-1883</inkml:trace>
-  <inkml:trace contextRef="#ctx0" brushRef="#br0" timeOffset="145998.885">18754 3693 10112,'71'-8'460,"-1"-2"1,0-4-1,31-12-460,48-10 1008,-116 29-834,0 2 0,1 1 1,0 2-1,-1 1 0,1 1 0,0 2 0,0 2 1,-1 1-1,0 2 0,0 0 0,0 3 1,16 7-175,-43-14 69,0 0 0,0 1 0,0 0 0,0 0 1,-1 1-1,0 0 0,0-1 0,0 2 0,0-1 1,-1 0-1,0 1 0,0 0 0,0 0 0,-1 0 1,0 1-1,0-1 0,0 1 0,1 6-69,3 15 100,0 0 1,-2 0-1,-2 1 0,0 0-100,-2-19 39,3 58 153,-4 0 0,-2 0 0,-9 55-192,3-90-3371,3-19-5631</inkml:trace>
+  <inkml:trace contextRef="#ctx0" brushRef="#br0" timeOffset="145998.883">18754 3693 10112,'71'-8'460,"-1"-2"1,0-4-1,31-12-460,48-10 1008,-116 29-834,0 2 0,1 1 1,0 2-1,-1 1 0,1 1 0,0 2 0,0 2 1,-1 1-1,0 2 0,0 0 0,0 3 1,16 7-175,-43-14 69,0 0 0,0 1 0,0 0 0,0 0 1,-1 1-1,0 0 0,0-1 0,0 2 0,0-1 1,-1 0-1,0 1 0,0 0 0,0 0 0,-1 0 1,0 1-1,0-1 0,0 1 0,1 6-69,3 15 100,0 0 1,-2 0-1,-2 1 0,0 0-100,-2-19 39,3 58 153,-4 0 0,-2 0 0,-9 55-192,3-90-3371,3-19-5631</inkml:trace>
   <inkml:trace contextRef="#ctx0" brushRef="#br0" timeOffset="146233.258">18667 4335 12544,'0'0'0,"0"0"128,0 0 0,0 0 0,17-2 128,13-6 256,22 1 128,16-3-384,7-5 0,10-9-128,13 8 128,9-8-256,-4 8 0,1-4-11008</inkml:trace>
-  <inkml:trace contextRef="#ctx0" brushRef="#br0" timeOffset="146982.828">20391 3942 13824,'0'0'0,"0"0"0,0 0 0,56-20 0,-26 12 128,-3 1-128,3-1 128,-2 3-128,-4 0 128,-4-2-128,-7 2 128,-1 2-128,-4 1 0,-6-3-2176,-4-3 0,-1 1-4352</inkml:trace>
+  <inkml:trace contextRef="#ctx0" brushRef="#br0" timeOffset="146982.827">20391 3942 13824,'0'0'0,"0"0"0,0 0 0,56-20 0,-26 12 128,-3 1-128,3-1 128,-2 3-128,-4 0 128,-4-2-128,-7 2 128,-1 2-128,-4 1 0,-6-3-2176,-4-3 0,-1 1-4352</inkml:trace>
   <inkml:trace contextRef="#ctx0" brushRef="#br0" timeOffset="147154.719">20489 3723 12800,'10'14'0,"10"2"128,-12-6 128,-3-1 256,0 1 128,-1 0-256,1 15 0,0 2-128,1 6 0,1 2-128,-4 2 128,1 3-256,-4-7 0,-4-6-1152,4-9 0,0-1-8448</inkml:trace>
   <inkml:trace contextRef="#ctx0" brushRef="#br0" timeOffset="147800.757">20837 3543 13824,'7'114'382,"-3"-70"-51,-1-1 1,-3 5-332,-11 92 1088,-26 121-1088,32-291-785,1 14 461,-17-86-1384,13 68 1142,1 0-1,2 0 1,1 0-1,1 0 1,2-21 566,2 46 136,0-1 1,0 1-1,1 0 1,0 0-1,1 0 1,0 0 0,0 0-1,1 0 1,0 1-1,0-1 1,1 1-1,0 0 1,1 1-1,0-1 1,0 1-1,1 0 1,-1 1-1,1 0 1,1 0 0,-1 0-1,1 1 1,4-2-137,7-4 243,0 1 1,0 1 0,1 1-1,1 0 1,-1 2 0,1 0-1,0 2 1,0 0 0,1 1 0,-1 2-1,15 0-243,-20 1 85,1 1-1,-1 1 0,0 1 1,1 0-1,-1 1 1,-1 1-1,1 0 0,-1 1 1,0 1-1,0 1 1,-1 0-1,1 0 0,-2 2 1,0 0-1,7 6-84,-9-6 68,0 1 0,0 0-1,-1 1 1,0 0 0,-1 1 0,-1 0-1,0 0 1,-1 1 0,0 0 0,-1 0 0,-1 1-1,0 0 1,-1 0 0,0 0 0,-2 0-1,1 0 1,-1 14-68,-3-23 7,1-1 0,-1 1 0,-1-1 0,1 1 0,-1-1 0,0 0 0,0 1 0,0-1 0,-1 0 0,0 0 0,0 0-1,0-1 1,0 1 0,-1-1 0,0 0 0,0 0 0,0 0 0,0 0 0,-4 1-7,-13 10-140,0-1 1,-1-1-1,-19 9 140,22-13-140,-12 6-191,0-1 0,-1-2-1,0-2 1,-1 0 0,-29 3 331,-8-2-142,0-4-1,-24-2 143,89-6 499,21-1-144,45-11 220,89-38-70,127-38-2695,-203 70-8604</inkml:trace>
   <inkml:trace contextRef="#ctx0" brushRef="#br0" timeOffset="150181.919">19997 4964 9984,'-137'-36'1514,"129"35"-1511,-1 0 0,1 1-1,0 0 1,0 1 0,0 0-1,0 0 1,0 1 0,-6 1-3,-31 6 0,-370 41 57,-76 8-881,258-39-1033,-27-10 1857,-21-9-1088,-261-35 1088,530 33-46,-1 0 1,1 1 0,-1 1-1,1 0 1,0 1 0,-1 0-1,1 0 1,-4 2 45,16-3-5,-1 1-1,1-1 0,-1 0 1,1 0-1,-1 0 1,1 0-1,-1 0 0,1 1 1,0-1-1,-1 0 1,1 0-1,-1 1 1,1-1-1,0 0 0,-1 1 1,1-1-1,-1 0 1,1 1-1,0-1 0,0 0 1,-1 1-1,1-1 1,0 1-1,0-1 1,-1 1-1,1-1 6,8 7-331,20 1-110,-21-9 508,0 2 1,0-1 0,0 1-1,0 0 1,0 0 0,1 1-68,-5-1 106,0 0 1,0 1 0,0-1-1,0 1 1,0 0-1,-1 0 1,1 0 0,-1 0-1,1 0 1,-1 1 0,0-1-1,0 1 1,0-1-1,1 2-106,5 8 243,13 17 531,-2 1-1,7 15-773,-21-33 113,1 0-1,-2 0 0,0 0 0,0 0 1,-1 1-1,-1-1 0,0 1 0,0 10-112,-3 13 93,-1-1 0,-2 1 0,-1-1-1,-2 0 1,-2-1 0,-1 2-93,-13 60 105,21-91-96,1 0 1,0 0 0,0 0-1,1 0 1,-1 0 0,1 1 0,0-1-1,1 0 1,-1 0 0,1 0-1,1 5-9,-1-10 3,-1 0-1,1 1 1,0-1-1,-1 0 1,1 1-1,0-1 1,-1 0-1,1 0 1,0 1 0,0-1-1,-1 0 1,1 0-1,0 0 1,0 0-1,-1 0 1,1 0-1,0 0 1,0 0-1,-1 0 1,1-1-1,0 1 1,-1 0-1,1 0 1,0-1-1,0 1 1,-1 0-1,1-1 1,-1 1-1,1-1 1,0 1-1,-1-1-2,30-16 67,-26 14-62,38-21 27,1 1 0,14-3-32,-35 17 12,1 1 1,-1 2 0,1 0 0,1 1 0,18-1-13,293-26 223,495-55 834,-666 68-545,2 8 0,59 7-512,-213 4-30,0-2 0,0 1 1,0-1-1,0-1 1,0 0-1,0-1 1,-1 0-1,1-1 1,-1 0-1,0-1 1,-1 0-1,1 0 1,2-4 29,15-7-2198,1 2-5716</inkml:trace>
   <inkml:trace contextRef="#ctx0" brushRef="#br0" timeOffset="150427.271">20041 4902 9728,'0'15'0,"0"10"384,0 12 0,0 12 0,-9 7 128,-1 15 0,-3-1 0,-4 0-384,1-5 128,-3-2-384,4-11 128,2 2-9088</inkml:trace>
   <inkml:trace contextRef="#ctx0" brushRef="#br0" timeOffset="153363.417">21437 4879 11648,'-3'25'0,"1"15"128,2 9 0,0 6 256,2 6 128,5 8-128,-1-9 0,3 2-384,-3-12 128,-1-10-128,-1-7 128,-3-11-640,-1-4 128,0-2-8832</inkml:trace>
-  <inkml:trace contextRef="#ctx0" brushRef="#br0" timeOffset="153699.488">21546 4944 12672,'61'6'177,"1"-3"0,-1-3 0,1-3 0,55-9-177,-15 2 188,14 5-188,38 4 287,227-7 450,-371 8-722,-1-1 81,0 0 0,0 1 0,0 1-1,9 0-95,-16 0 21,0-1 0,0 1-1,0-1 1,0 1 0,0 0-1,0-1 1,0 1 0,0 0-1,-1 0 1,1 1 0,0-1 0,-1 0-1,1 0 1,-1 1 0,1-1-1,-1 1 1,0-1 0,1 1-1,-1 0 1,0 0 0,0-1-1,0 1 1,0 1-21,5 18 124,-1 0 0,-1 0 1,-1 0-1,-1 0 0,-1 1 0,-1 7-124,2 16 172,3 104-116,-5-85-2650,0-29-6771</inkml:trace>
+  <inkml:trace contextRef="#ctx0" brushRef="#br0" timeOffset="153699.487">21546 4944 12672,'61'6'177,"1"-3"0,-1-3 0,1-3 0,55-9-177,-15 2 188,14 5-188,38 4 287,227-7 450,-371 8-722,-1-1 81,0 0 0,0 1 0,0 1-1,9 0-95,-16 0 21,0-1 0,0 1-1,0-1 1,0 1 0,0 0-1,0-1 1,0 1 0,0 0-1,-1 0 1,1 1 0,0-1 0,-1 0-1,1 0 1,-1 1 0,1-1-1,-1 1 1,0-1 0,1 1-1,-1 0 1,0 0 0,0-1-1,0 1 1,0 1-21,5 18 124,-1 0 0,-1 0 1,-1 0-1,-1 0 0,-1 1 0,-1 7-124,2 16 172,3 104-116,-5-85-2650,0-29-6771</inkml:trace>
   <inkml:trace contextRef="#ctx0" brushRef="#br0" timeOffset="153978.075">21447 5510 13312,'17'-1'0,"8"-8"128,22 3 0,14-4 128,3 1 128,4 2 256,14 4 0,8 1-384,16-1 0,11 1-128,20-13 128,18-3-129,-19-2 1,-7 0-511,-21 3-1,2 2-11008</inkml:trace>
   <inkml:trace contextRef="#ctx0" brushRef="#br0" timeOffset="157013.925">19136 5649 7296,'-1'0'34,"0"0"1,1 1-1,-1-1 1,1 0-1,-1 0 0,1 0 1,-1 1-1,0-1 1,1 0-1,-1 0 1,0 0-1,1 0 1,-1 0-1,1 0 1,-1 0-1,0-1 0,1 1 1,-1 0-1,1 0 1,-1 0-1,0-1 1,1 1-1,-1 0 1,1-1-35,-18-1 453,-63 24 83,19-3-454,4-4-52,-8 3 30,-1-3 0,-56 4-60,25-7 206,0 4 0,1 4 0,-55 20-206,124-32 39,-17 6 5,-1-3 0,-13 1-44,44-9 33,0-2 0,0 0 1,-1-1-1,1 0 1,0-1-1,0-1 0,0 0 1,0-1-1,-3-2-33,11 3 15,-1 0 0,0 1 0,1 0 0,-1 0 0,0 0 0,0 1-1,0 0 1,0 1 0,0 0 0,0 0 0,1 1 0,-1 0 0,0 0 0,1 1 0,-2 0-15,-13 8 46,2 0 0,-1 1 0,2 1 0,-8 7-46,-17 11 595,43-30-582,1-1 1,-1 1-1,1-1 1,-1 1-1,1 0 1,-1-1 0,1 1-1,-1-1 1,1 1-1,0 0 1,-1-1-1,1 1 1,0 0-1,0-1 1,-1 1-1,1 0 1,0-1 0,0 1-1,0 0 1,0 0-1,0-1 1,0 1-1,0 0 1,0 0-1,0-1 1,0 1 0,1 0-1,-1-1 1,0 1-1,0 0 1,1-1-1,-1 1-13,14 24 244,-9-18-153,4 9 12,-1 1 0,0 0 0,-1 0 0,-1 1 1,-1 0-1,0 0 0,-1 1 0,-1-1 0,-1 1 0,-1-1 1,0 12-104,-3 23 212,-1 0-1,-3 0 1,-8 24-212,27-84 40,0 1-1,0 1 1,0 0-1,1 1-39,55-24-8,62-27 120,42-8-112,-35 13 122,-53 21-88,3 4 0,19-1-34,179-28 20,-146 30-321,-62 11-4435,19 2 4736,-22 3-5909</inkml:trace>
-  <inkml:trace contextRef="#ctx0" brushRef="#br0" timeOffset="157281.824">19126 5514 12288,'8'21'0,"2"13"0,3 12 0,4 10 0,0 9 0,-4 3 128,-1 4 128,-4 6-128,-3-12 0,-3-15-640,1-1 128,0 4-8064</inkml:trace>
+  <inkml:trace contextRef="#ctx0" brushRef="#br0" timeOffset="157281.822">19126 5514 12288,'8'21'0,"2"13"0,3 12 0,4 10 0,0 9 0,-4 3 128,-1 4 128,-4 6-128,-3-12 0,-3-15-640,1-1 128,0 4-8064</inkml:trace>
   <inkml:trace contextRef="#ctx0" brushRef="#br0" timeOffset="157994.609">17914 6711 11008,'13'11'148,"0"2"0,0-1 0,-1 1 0,-1 1 0,0 0 0,-1 1 0,0 0 0,-2 0 0,0 1 0,0 0 0,4 15-148,4 23 249,-2 0 0,-2 2 0,-2 8-249,-8-53 14,76 570 1181,-16 155-1195,-48-448 192,-13 1 0,-14 34-192,8-250 40,-12 128 77,12-160-99,-3-1 1,-1 1 0,-12 29-19,-43 89-896,64-158 706,-1 1-1,1 0 1,-1-1 0,0 1 0,1 0-1,-1-1 1,0 1 0,0-1 0,0 1-1,0-1 1,0 1 0,0-1 0,-1 0-1,1 0 1,0 0 0,-1 1 0,1-1-1,-1 0 191,1-2-206,0 1 0,0 0-1,0-1 1,-1 1 0,1-1-1,0 0 1,0 1-1,0-1 1,0 0 0,0 1-1,0-1 1,0 0 0,0 0-1,0 0 1,0 0 0,1 0-1,-1 0 1,0 0-1,1 0 1,-1-1 206,-21-28-3669</inkml:trace>
   <inkml:trace contextRef="#ctx0" brushRef="#br0" timeOffset="158514.618">17849 6748 12416,'0'-8'53,"0"1"0,0 0 1,1 0-1,0-1 0,0 1 1,0 0-1,1 0 0,1 0 1,0-3-54,0 6 34,-1 0 0,0 1 0,1-1 0,0 1 0,0 0 0,0 0 0,0 0 0,0 0 0,1 0 0,-1 1 0,1 0 0,0-1 0,0 1 0,0 0 0,0 1 0,2-2-34,8-1 40,-1 0 1,1 1-1,0 0 0,0 1 1,0 1-1,0 0 1,1 1-1,1 0-40,36 4 460,33 7-460,-18-2 198,-50-7-171,477 50 480,-276-38-209,63-9-298,-68-18 152,-1-10 0,6-10-152,-125 19 37,191-36 29,15-17-66,276-84 66,-198 49-48,-184 56-24,35 2 6,-110 27 14,0 6-1,73 2-13,-159 9 20,0 1 0,0 2-1,0 1 1,0 2 0,-1 1 0,31 11-20,-48-13 15,1 1-1,-1 0 1,0 2 0,-1 0 0,0 0 0,0 1 0,-1 0-1,0 1 1,0 1 0,-1 0 0,-1 0 0,0 1 0,0 1-1,-1 0 1,1 3-15,7 16 30,-2 1 0,-1 0 0,-2 1 0,-1 1 0,-2 0 0,-1 0 0,0 10-30,7 78 272,-2 60-272,-9-109 51,5 62 55,19 536 556,-33-449-413,-10-1 0,-13 23-249,4-96-706,-6-1 0,-7-1-1,-33 77 707,57-190-2338,-1 0 0,-1-1 0,-2 0 0,-1-1 0,-17 21 2338,-28 34-1152</inkml:trace>
   <inkml:trace contextRef="#ctx0" brushRef="#br0" timeOffset="158814.676">17720 10244 15616,'29'5'0,"14"4"0,30 3 128,28 3-128,57-7 128,44-1 0,36-27 0,37-17-128,22-7 128,31-6-128,47-22 128,43-18-128,-14 2 127,1-9-127,1 28 0,-2 23-5887,-46 17 127,-1-1 3968</inkml:trace>
@@ -3951,6 +3952,399 @@
 </p:sld>
 </file>
 
+<file path=ppt/slides/slide2.xml><?xml version="1.0" encoding="utf-8"?>
+<p:sld xmlns:a="http://schemas.openxmlformats.org/drawingml/2006/main" xmlns:r="http://schemas.openxmlformats.org/officeDocument/2006/relationships" xmlns:p="http://schemas.openxmlformats.org/presentationml/2006/main">
+  <p:cSld>
+    <p:spTree>
+      <p:nvGrpSpPr>
+        <p:cNvPr id="1" name=""/>
+        <p:cNvGrpSpPr/>
+        <p:nvPr/>
+      </p:nvGrpSpPr>
+      <p:grpSpPr>
+        <a:xfrm>
+          <a:off x="0" y="0"/>
+          <a:ext cx="0" cy="0"/>
+          <a:chOff x="0" y="0"/>
+          <a:chExt cx="0" cy="0"/>
+        </a:xfrm>
+      </p:grpSpPr>
+      <p:sp>
+        <p:nvSpPr>
+          <p:cNvPr id="4" name="직사각형 3">
+            <a:extLst>
+              <a:ext uri="{FF2B5EF4-FFF2-40B4-BE49-F238E27FC236}">
+                <a16:creationId xmlns:a16="http://schemas.microsoft.com/office/drawing/2014/main" id="{244DC3B0-C94A-4998-8225-3056A449927C}"/>
+              </a:ext>
+            </a:extLst>
+          </p:cNvPr>
+          <p:cNvSpPr/>
+          <p:nvPr/>
+        </p:nvSpPr>
+        <p:spPr>
+          <a:xfrm>
+            <a:off x="1878676" y="1662544"/>
+            <a:ext cx="5519651" cy="2452255"/>
+          </a:xfrm>
+          <a:prstGeom prst="rect">
+            <a:avLst/>
+          </a:prstGeom>
+        </p:spPr>
+        <p:style>
+          <a:lnRef idx="2">
+            <a:schemeClr val="accent1">
+              <a:shade val="50000"/>
+            </a:schemeClr>
+          </a:lnRef>
+          <a:fillRef idx="1">
+            <a:schemeClr val="accent1"/>
+          </a:fillRef>
+          <a:effectRef idx="0">
+            <a:schemeClr val="accent1"/>
+          </a:effectRef>
+          <a:fontRef idx="minor">
+            <a:schemeClr val="lt1"/>
+          </a:fontRef>
+        </p:style>
+        <p:txBody>
+          <a:bodyPr rtlCol="0" anchor="ctr"/>
+          <a:lstStyle/>
+          <a:p>
+            <a:pPr algn="ctr"/>
+            <a:endParaRPr lang="ko-KR" altLang="en-US" dirty="0"/>
+          </a:p>
+        </p:txBody>
+      </p:sp>
+      <p:sp>
+        <p:nvSpPr>
+          <p:cNvPr id="5" name="직사각형 4">
+            <a:extLst>
+              <a:ext uri="{FF2B5EF4-FFF2-40B4-BE49-F238E27FC236}">
+                <a16:creationId xmlns:a16="http://schemas.microsoft.com/office/drawing/2014/main" id="{24CCC01C-2742-481E-B238-20A7BA148C9F}"/>
+              </a:ext>
+            </a:extLst>
+          </p:cNvPr>
+          <p:cNvSpPr/>
+          <p:nvPr/>
+        </p:nvSpPr>
+        <p:spPr>
+          <a:xfrm>
+            <a:off x="2069869" y="1941019"/>
+            <a:ext cx="3330629" cy="556953"/>
+          </a:xfrm>
+          <a:prstGeom prst="rect">
+            <a:avLst/>
+          </a:prstGeom>
+          <a:solidFill>
+            <a:schemeClr val="accent2"/>
+          </a:solidFill>
+        </p:spPr>
+        <p:style>
+          <a:lnRef idx="2">
+            <a:schemeClr val="accent1">
+              <a:shade val="50000"/>
+            </a:schemeClr>
+          </a:lnRef>
+          <a:fillRef idx="1">
+            <a:schemeClr val="accent1"/>
+          </a:fillRef>
+          <a:effectRef idx="0">
+            <a:schemeClr val="accent1"/>
+          </a:effectRef>
+          <a:fontRef idx="minor">
+            <a:schemeClr val="lt1"/>
+          </a:fontRef>
+        </p:style>
+        <p:txBody>
+          <a:bodyPr rtlCol="0" anchor="ctr"/>
+          <a:lstStyle/>
+          <a:p>
+            <a:pPr algn="ctr"/>
+            <a:r>
+              <a:rPr lang="ko-KR" altLang="en-US"/>
+              <a:t>이름</a:t>
+            </a:r>
+          </a:p>
+        </p:txBody>
+      </p:sp>
+      <p:sp>
+        <p:nvSpPr>
+          <p:cNvPr id="6" name="직사각형 5">
+            <a:extLst>
+              <a:ext uri="{FF2B5EF4-FFF2-40B4-BE49-F238E27FC236}">
+                <a16:creationId xmlns:a16="http://schemas.microsoft.com/office/drawing/2014/main" id="{9AF43B79-4BD9-4DEB-8092-FA45F7086090}"/>
+              </a:ext>
+            </a:extLst>
+          </p:cNvPr>
+          <p:cNvSpPr/>
+          <p:nvPr/>
+        </p:nvSpPr>
+        <p:spPr>
+          <a:xfrm>
+            <a:off x="2069869" y="2776446"/>
+            <a:ext cx="5120640" cy="1105597"/>
+          </a:xfrm>
+          <a:prstGeom prst="rect">
+            <a:avLst/>
+          </a:prstGeom>
+          <a:solidFill>
+            <a:schemeClr val="accent2"/>
+          </a:solidFill>
+        </p:spPr>
+        <p:style>
+          <a:lnRef idx="2">
+            <a:schemeClr val="accent1">
+              <a:shade val="50000"/>
+            </a:schemeClr>
+          </a:lnRef>
+          <a:fillRef idx="1">
+            <a:schemeClr val="accent1"/>
+          </a:fillRef>
+          <a:effectRef idx="0">
+            <a:schemeClr val="accent1"/>
+          </a:effectRef>
+          <a:fontRef idx="minor">
+            <a:schemeClr val="lt1"/>
+          </a:fontRef>
+        </p:style>
+        <p:txBody>
+          <a:bodyPr rtlCol="0" anchor="ctr"/>
+          <a:lstStyle/>
+          <a:p>
+            <a:pPr algn="ctr"/>
+            <a:r>
+              <a:rPr lang="ko-KR" altLang="en-US" dirty="0"/>
+              <a:t>키워드</a:t>
+            </a:r>
+          </a:p>
+        </p:txBody>
+      </p:sp>
+      <p:sp>
+        <p:nvSpPr>
+          <p:cNvPr id="7" name="직사각형 6">
+            <a:extLst>
+              <a:ext uri="{FF2B5EF4-FFF2-40B4-BE49-F238E27FC236}">
+                <a16:creationId xmlns:a16="http://schemas.microsoft.com/office/drawing/2014/main" id="{E024B324-5A38-452F-A62E-0E7FEEDBC28B}"/>
+              </a:ext>
+            </a:extLst>
+          </p:cNvPr>
+          <p:cNvSpPr/>
+          <p:nvPr/>
+        </p:nvSpPr>
+        <p:spPr>
+          <a:xfrm>
+            <a:off x="5634642" y="1805937"/>
+            <a:ext cx="1555865" cy="332511"/>
+          </a:xfrm>
+          <a:prstGeom prst="rect">
+            <a:avLst/>
+          </a:prstGeom>
+          <a:solidFill>
+            <a:schemeClr val="accent2"/>
+          </a:solidFill>
+        </p:spPr>
+        <p:style>
+          <a:lnRef idx="2">
+            <a:schemeClr val="accent1">
+              <a:shade val="50000"/>
+            </a:schemeClr>
+          </a:lnRef>
+          <a:fillRef idx="1">
+            <a:schemeClr val="accent1"/>
+          </a:fillRef>
+          <a:effectRef idx="0">
+            <a:schemeClr val="accent1"/>
+          </a:effectRef>
+          <a:fontRef idx="minor">
+            <a:schemeClr val="lt1"/>
+          </a:fontRef>
+        </p:style>
+        <p:txBody>
+          <a:bodyPr rtlCol="0" anchor="ctr"/>
+          <a:lstStyle/>
+          <a:p>
+            <a:pPr algn="ctr"/>
+            <a:r>
+              <a:rPr lang="ko-KR" altLang="en-US" dirty="0"/>
+              <a:t>날짜</a:t>
+            </a:r>
+          </a:p>
+        </p:txBody>
+      </p:sp>
+      <p:sp>
+        <p:nvSpPr>
+          <p:cNvPr id="8" name="직사각형 7">
+            <a:extLst>
+              <a:ext uri="{FF2B5EF4-FFF2-40B4-BE49-F238E27FC236}">
+                <a16:creationId xmlns:a16="http://schemas.microsoft.com/office/drawing/2014/main" id="{E40AC3F2-7BDE-4D6F-AEFF-3B1007A7732B}"/>
+              </a:ext>
+            </a:extLst>
+          </p:cNvPr>
+          <p:cNvSpPr/>
+          <p:nvPr/>
+        </p:nvSpPr>
+        <p:spPr>
+          <a:xfrm>
+            <a:off x="5634643" y="2281841"/>
+            <a:ext cx="1555866" cy="315885"/>
+          </a:xfrm>
+          <a:prstGeom prst="rect">
+            <a:avLst/>
+          </a:prstGeom>
+          <a:solidFill>
+            <a:schemeClr val="accent2"/>
+          </a:solidFill>
+        </p:spPr>
+        <p:style>
+          <a:lnRef idx="2">
+            <a:schemeClr val="accent1">
+              <a:shade val="50000"/>
+            </a:schemeClr>
+          </a:lnRef>
+          <a:fillRef idx="1">
+            <a:schemeClr val="accent1"/>
+          </a:fillRef>
+          <a:effectRef idx="0">
+            <a:schemeClr val="accent1"/>
+          </a:effectRef>
+          <a:fontRef idx="minor">
+            <a:schemeClr val="lt1"/>
+          </a:fontRef>
+        </p:style>
+        <p:txBody>
+          <a:bodyPr rtlCol="0" anchor="ctr"/>
+          <a:lstStyle/>
+          <a:p>
+            <a:pPr algn="ctr"/>
+            <a:r>
+              <a:rPr lang="ko-KR" altLang="en-US" dirty="0" err="1"/>
+              <a:t>술종류</a:t>
+            </a:r>
+            <a:endParaRPr lang="ko-KR" altLang="en-US" dirty="0"/>
+          </a:p>
+        </p:txBody>
+      </p:sp>
+      <p:cxnSp>
+        <p:nvCxnSpPr>
+          <p:cNvPr id="10" name="직선 연결선 9">
+            <a:extLst>
+              <a:ext uri="{FF2B5EF4-FFF2-40B4-BE49-F238E27FC236}">
+                <a16:creationId xmlns:a16="http://schemas.microsoft.com/office/drawing/2014/main" id="{E8505ED2-C5A1-48D3-A483-B7CEAE79C531}"/>
+              </a:ext>
+            </a:extLst>
+          </p:cNvPr>
+          <p:cNvCxnSpPr/>
+          <p:nvPr/>
+        </p:nvCxnSpPr>
+        <p:spPr>
+          <a:xfrm>
+            <a:off x="1429789" y="2701636"/>
+            <a:ext cx="6907876" cy="0"/>
+          </a:xfrm>
+          <a:prstGeom prst="line">
+            <a:avLst/>
+          </a:prstGeom>
+        </p:spPr>
+        <p:style>
+          <a:lnRef idx="1">
+            <a:schemeClr val="dk1"/>
+          </a:lnRef>
+          <a:fillRef idx="0">
+            <a:schemeClr val="dk1"/>
+          </a:fillRef>
+          <a:effectRef idx="0">
+            <a:schemeClr val="dk1"/>
+          </a:effectRef>
+          <a:fontRef idx="minor">
+            <a:schemeClr val="tx1"/>
+          </a:fontRef>
+        </p:style>
+      </p:cxnSp>
+      <p:cxnSp>
+        <p:nvCxnSpPr>
+          <p:cNvPr id="12" name="직선 연결선 11">
+            <a:extLst>
+              <a:ext uri="{FF2B5EF4-FFF2-40B4-BE49-F238E27FC236}">
+                <a16:creationId xmlns:a16="http://schemas.microsoft.com/office/drawing/2014/main" id="{02E45659-ABA8-43E3-93FF-F15FA6FDC734}"/>
+              </a:ext>
+            </a:extLst>
+          </p:cNvPr>
+          <p:cNvCxnSpPr/>
+          <p:nvPr/>
+        </p:nvCxnSpPr>
+        <p:spPr>
+          <a:xfrm flipV="1">
+            <a:off x="5519651" y="889462"/>
+            <a:ext cx="0" cy="1812174"/>
+          </a:xfrm>
+          <a:prstGeom prst="line">
+            <a:avLst/>
+          </a:prstGeom>
+        </p:spPr>
+        <p:style>
+          <a:lnRef idx="1">
+            <a:schemeClr val="dk1"/>
+          </a:lnRef>
+          <a:fillRef idx="0">
+            <a:schemeClr val="dk1"/>
+          </a:fillRef>
+          <a:effectRef idx="0">
+            <a:schemeClr val="dk1"/>
+          </a:effectRef>
+          <a:fontRef idx="minor">
+            <a:schemeClr val="tx1"/>
+          </a:fontRef>
+        </p:style>
+      </p:cxnSp>
+      <p:cxnSp>
+        <p:nvCxnSpPr>
+          <p:cNvPr id="14" name="직선 연결선 13">
+            <a:extLst>
+              <a:ext uri="{FF2B5EF4-FFF2-40B4-BE49-F238E27FC236}">
+                <a16:creationId xmlns:a16="http://schemas.microsoft.com/office/drawing/2014/main" id="{9996F5D7-4EFF-4255-B658-67427FDCD28B}"/>
+              </a:ext>
+            </a:extLst>
+          </p:cNvPr>
+          <p:cNvCxnSpPr/>
+          <p:nvPr/>
+        </p:nvCxnSpPr>
+        <p:spPr>
+          <a:xfrm>
+            <a:off x="5519651" y="2213262"/>
+            <a:ext cx="2660073" cy="0"/>
+          </a:xfrm>
+          <a:prstGeom prst="line">
+            <a:avLst/>
+          </a:prstGeom>
+        </p:spPr>
+        <p:style>
+          <a:lnRef idx="1">
+            <a:schemeClr val="dk1"/>
+          </a:lnRef>
+          <a:fillRef idx="0">
+            <a:schemeClr val="dk1"/>
+          </a:fillRef>
+          <a:effectRef idx="0">
+            <a:schemeClr val="dk1"/>
+          </a:effectRef>
+          <a:fontRef idx="minor">
+            <a:schemeClr val="tx1"/>
+          </a:fontRef>
+        </p:style>
+      </p:cxnSp>
+    </p:spTree>
+    <p:extLst>
+      <p:ext uri="{BB962C8B-B14F-4D97-AF65-F5344CB8AC3E}">
+        <p14:creationId xmlns:p14="http://schemas.microsoft.com/office/powerpoint/2010/main" val="2048185715"/>
+      </p:ext>
+    </p:extLst>
+  </p:cSld>
+  <p:clrMapOvr>
+    <a:masterClrMapping/>
+  </p:clrMapOvr>
+</p:sld>
+</file>
+
 <file path=ppt/theme/theme1.xml><?xml version="1.0" encoding="utf-8"?>
 <a:theme xmlns:a="http://schemas.openxmlformats.org/drawingml/2006/main" name="Office 테마">
   <a:themeElements>

--- a/Documents/Layout.pptx
+++ b/Documents/Layout.pptx
@@ -7,6 +7,7 @@
   <p:sldIdLst>
     <p:sldId id="256" r:id="rId2"/>
     <p:sldId id="257" r:id="rId3"/>
+    <p:sldId id="258" r:id="rId4"/>
   </p:sldIdLst>
   <p:sldSz cx="12192000" cy="6858000"/>
   <p:notesSz cx="6858000" cy="9144000"/>
@@ -177,7 +178,7 @@
   <inkml:trace contextRef="#ctx0" brushRef="#br0" timeOffset="110058.157">9757 2785 17535,'0'0'128,"0"0"0,0 0 0,93-10 0,-33 2 0,5-2 0,4 3 0,1-3-256,1 1 128,-2-1-2175,-18 5-1,1 0-7296</inkml:trace>
   <inkml:trace contextRef="#ctx0" brushRef="#br0" timeOffset="110306.491">9844 2454 15104,'0'0'256,"-9"-3"128,-4-7-128,5 8 0,3 2 127,10 25 129,10 15-256,8 10 0,10 12-128,1 3 128,1 9-256,3-2 0,2 3-4991,2-15-1,-2 3 640</inkml:trace>
   <inkml:trace contextRef="#ctx0" brushRef="#br0" timeOffset="145601.8">18591 3576 9728,'25'41'384,"-25"-41"-378,0 0 0,0 0 0,0 0 1,0 0-1,0 0 0,0 1 0,0-1 1,0 0-1,0 0 0,0 0 0,0 0 1,0 0-1,0 0 0,1 1 0,-1-1 1,0 0-1,0 0 0,0 0 0,0 0 0,0 0 1,0 0-1,0 0 0,1 0 0,-1 0 1,0 0-1,0 1 0,0-1 0,0 0 1,0 0-1,1 0 0,-1 0 0,0 0 1,0 0-1,0 0 0,0 0 0,0 0 1,1 0-1,-1 0 0,0 0 0,0 0 0,0 0 1,0 0-1,0 0 0,1-1 0,-1 1 1,0 0-1,0 0 0,0 0 0,0 0 1,0 0-1,0 0 0,1 0 0,-1 0 1,0 0-1,0-1 0,0 1 0,0 0 1,0 0-1,0 0 0,0 0 0,0 0 0,0 0 1,0-1-1,0 1-6,2-10 100,-1 9 190,8 65 126,-3 1-1,-2 0 1,-4 0 0,-2 1-416,1 36 342,2-57-411,4-16-3744,-1-18-1883</inkml:trace>
-  <inkml:trace contextRef="#ctx0" brushRef="#br0" timeOffset="145998.883">18754 3693 10112,'71'-8'460,"-1"-2"1,0-4-1,31-12-460,48-10 1008,-116 29-834,0 2 0,1 1 1,0 2-1,-1 1 0,1 1 0,0 2 0,0 2 1,-1 1-1,0 2 0,0 0 0,0 3 1,16 7-175,-43-14 69,0 0 0,0 1 0,0 0 0,0 0 1,-1 1-1,0 0 0,0-1 0,0 2 0,0-1 1,-1 0-1,0 1 0,0 0 0,0 0 0,-1 0 1,0 1-1,0-1 0,0 1 0,1 6-69,3 15 100,0 0 1,-2 0-1,-2 1 0,0 0-100,-2-19 39,3 58 153,-4 0 0,-2 0 0,-9 55-192,3-90-3371,3-19-5631</inkml:trace>
+  <inkml:trace contextRef="#ctx0" brushRef="#br0" timeOffset="145998.881">18754 3693 10112,'71'-8'460,"-1"-2"1,0-4-1,31-12-460,48-10 1008,-116 29-834,0 2 0,1 1 1,0 2-1,-1 1 0,1 1 0,0 2 0,0 2 1,-1 1-1,0 2 0,0 0 0,0 3 1,16 7-175,-43-14 69,0 0 0,0 1 0,0 0 0,0 0 1,-1 1-1,0 0 0,0-1 0,0 2 0,0-1 1,-1 0-1,0 1 0,0 0 0,0 0 0,-1 0 1,0 1-1,0-1 0,0 1 0,1 6-69,3 15 100,0 0 1,-2 0-1,-2 1 0,0 0-100,-2-19 39,3 58 153,-4 0 0,-2 0 0,-9 55-192,3-90-3371,3-19-5631</inkml:trace>
   <inkml:trace contextRef="#ctx0" brushRef="#br0" timeOffset="146233.258">18667 4335 12544,'0'0'0,"0"0"128,0 0 0,0 0 0,17-2 128,13-6 256,22 1 128,16-3-384,7-5 0,10-9-128,13 8 128,9-8-256,-4 8 0,1-4-11008</inkml:trace>
   <inkml:trace contextRef="#ctx0" brushRef="#br0" timeOffset="146982.827">20391 3942 13824,'0'0'0,"0"0"0,0 0 0,56-20 0,-26 12 128,-3 1-128,3-1 128,-2 3-128,-4 0 128,-4-2-128,-7 2 128,-1 2-128,-4 1 0,-6-3-2176,-4-3 0,-1 1-4352</inkml:trace>
   <inkml:trace contextRef="#ctx0" brushRef="#br0" timeOffset="147154.719">20489 3723 12800,'10'14'0,"10"2"128,-12-6 128,-3-1 256,0 1 128,-1 0-256,1 15 0,0 2-128,1 6 0,1 2-128,-4 2 128,1 3-256,-4-7 0,-4-6-1152,4-9 0,0-1-8448</inkml:trace>
@@ -343,7 +344,7 @@
           <a:p>
             <a:fld id="{FD187567-F450-4F7C-8811-F547CDEC17E2}" type="datetimeFigureOut">
               <a:rPr lang="ko-KR" altLang="en-US" smtClean="0"/>
-              <a:t>2018-11-30</a:t>
+              <a:t>2018-12-06</a:t>
             </a:fld>
             <a:endParaRPr lang="ko-KR" altLang="en-US"/>
           </a:p>
@@ -541,7 +542,7 @@
           <a:p>
             <a:fld id="{FD187567-F450-4F7C-8811-F547CDEC17E2}" type="datetimeFigureOut">
               <a:rPr lang="ko-KR" altLang="en-US" smtClean="0"/>
-              <a:t>2018-11-30</a:t>
+              <a:t>2018-12-06</a:t>
             </a:fld>
             <a:endParaRPr lang="ko-KR" altLang="en-US"/>
           </a:p>
@@ -749,7 +750,7 @@
           <a:p>
             <a:fld id="{FD187567-F450-4F7C-8811-F547CDEC17E2}" type="datetimeFigureOut">
               <a:rPr lang="ko-KR" altLang="en-US" smtClean="0"/>
-              <a:t>2018-11-30</a:t>
+              <a:t>2018-12-06</a:t>
             </a:fld>
             <a:endParaRPr lang="ko-KR" altLang="en-US"/>
           </a:p>
@@ -947,7 +948,7 @@
           <a:p>
             <a:fld id="{FD187567-F450-4F7C-8811-F547CDEC17E2}" type="datetimeFigureOut">
               <a:rPr lang="ko-KR" altLang="en-US" smtClean="0"/>
-              <a:t>2018-11-30</a:t>
+              <a:t>2018-12-06</a:t>
             </a:fld>
             <a:endParaRPr lang="ko-KR" altLang="en-US"/>
           </a:p>
@@ -1222,7 +1223,7 @@
           <a:p>
             <a:fld id="{FD187567-F450-4F7C-8811-F547CDEC17E2}" type="datetimeFigureOut">
               <a:rPr lang="ko-KR" altLang="en-US" smtClean="0"/>
-              <a:t>2018-11-30</a:t>
+              <a:t>2018-12-06</a:t>
             </a:fld>
             <a:endParaRPr lang="ko-KR" altLang="en-US"/>
           </a:p>
@@ -1487,7 +1488,7 @@
           <a:p>
             <a:fld id="{FD187567-F450-4F7C-8811-F547CDEC17E2}" type="datetimeFigureOut">
               <a:rPr lang="ko-KR" altLang="en-US" smtClean="0"/>
-              <a:t>2018-11-30</a:t>
+              <a:t>2018-12-06</a:t>
             </a:fld>
             <a:endParaRPr lang="ko-KR" altLang="en-US"/>
           </a:p>
@@ -1899,7 +1900,7 @@
           <a:p>
             <a:fld id="{FD187567-F450-4F7C-8811-F547CDEC17E2}" type="datetimeFigureOut">
               <a:rPr lang="ko-KR" altLang="en-US" smtClean="0"/>
-              <a:t>2018-11-30</a:t>
+              <a:t>2018-12-06</a:t>
             </a:fld>
             <a:endParaRPr lang="ko-KR" altLang="en-US"/>
           </a:p>
@@ -2040,7 +2041,7 @@
           <a:p>
             <a:fld id="{FD187567-F450-4F7C-8811-F547CDEC17E2}" type="datetimeFigureOut">
               <a:rPr lang="ko-KR" altLang="en-US" smtClean="0"/>
-              <a:t>2018-11-30</a:t>
+              <a:t>2018-12-06</a:t>
             </a:fld>
             <a:endParaRPr lang="ko-KR" altLang="en-US"/>
           </a:p>
@@ -2153,7 +2154,7 @@
           <a:p>
             <a:fld id="{FD187567-F450-4F7C-8811-F547CDEC17E2}" type="datetimeFigureOut">
               <a:rPr lang="ko-KR" altLang="en-US" smtClean="0"/>
-              <a:t>2018-11-30</a:t>
+              <a:t>2018-12-06</a:t>
             </a:fld>
             <a:endParaRPr lang="ko-KR" altLang="en-US"/>
           </a:p>
@@ -2464,7 +2465,7 @@
           <a:p>
             <a:fld id="{FD187567-F450-4F7C-8811-F547CDEC17E2}" type="datetimeFigureOut">
               <a:rPr lang="ko-KR" altLang="en-US" smtClean="0"/>
-              <a:t>2018-11-30</a:t>
+              <a:t>2018-12-06</a:t>
             </a:fld>
             <a:endParaRPr lang="ko-KR" altLang="en-US"/>
           </a:p>
@@ -2752,7 +2753,7 @@
           <a:p>
             <a:fld id="{FD187567-F450-4F7C-8811-F547CDEC17E2}" type="datetimeFigureOut">
               <a:rPr lang="ko-KR" altLang="en-US" smtClean="0"/>
-              <a:t>2018-11-30</a:t>
+              <a:t>2018-12-06</a:t>
             </a:fld>
             <a:endParaRPr lang="ko-KR" altLang="en-US"/>
           </a:p>
@@ -2993,7 +2994,7 @@
           <a:p>
             <a:fld id="{FD187567-F450-4F7C-8811-F547CDEC17E2}" type="datetimeFigureOut">
               <a:rPr lang="ko-KR" altLang="en-US" smtClean="0"/>
-              <a:t>2018-11-30</a:t>
+              <a:t>2018-12-06</a:t>
             </a:fld>
             <a:endParaRPr lang="ko-KR" altLang="en-US"/>
           </a:p>
@@ -4345,6 +4346,749 @@
 </p:sld>
 </file>
 
+<file path=ppt/slides/slide3.xml><?xml version="1.0" encoding="utf-8"?>
+<p:sld xmlns:a="http://schemas.openxmlformats.org/drawingml/2006/main" xmlns:r="http://schemas.openxmlformats.org/officeDocument/2006/relationships" xmlns:p="http://schemas.openxmlformats.org/presentationml/2006/main">
+  <p:cSld>
+    <p:spTree>
+      <p:nvGrpSpPr>
+        <p:cNvPr id="1" name=""/>
+        <p:cNvGrpSpPr/>
+        <p:nvPr/>
+      </p:nvGrpSpPr>
+      <p:grpSpPr>
+        <a:xfrm>
+          <a:off x="0" y="0"/>
+          <a:ext cx="0" cy="0"/>
+          <a:chOff x="0" y="0"/>
+          <a:chExt cx="0" cy="0"/>
+        </a:xfrm>
+      </p:grpSpPr>
+      <p:grpSp>
+        <p:nvGrpSpPr>
+          <p:cNvPr id="14" name="그룹 13">
+            <a:extLst>
+              <a:ext uri="{FF2B5EF4-FFF2-40B4-BE49-F238E27FC236}">
+                <a16:creationId xmlns:a16="http://schemas.microsoft.com/office/drawing/2014/main" id="{16837662-2CB7-4B48-A4AE-73D216D9BCA2}"/>
+              </a:ext>
+            </a:extLst>
+          </p:cNvPr>
+          <p:cNvGrpSpPr/>
+          <p:nvPr/>
+        </p:nvGrpSpPr>
+        <p:grpSpPr>
+          <a:xfrm>
+            <a:off x="4246789" y="473527"/>
+            <a:ext cx="3698421" cy="5690507"/>
+            <a:chOff x="2988129" y="449035"/>
+            <a:chExt cx="4686300" cy="5690507"/>
+          </a:xfrm>
+        </p:grpSpPr>
+        <p:sp>
+          <p:nvSpPr>
+            <p:cNvPr id="4" name="직사각형 3">
+              <a:extLst>
+                <a:ext uri="{FF2B5EF4-FFF2-40B4-BE49-F238E27FC236}">
+                  <a16:creationId xmlns:a16="http://schemas.microsoft.com/office/drawing/2014/main" id="{711A1135-E81C-458E-BF70-501825526E52}"/>
+                </a:ext>
+              </a:extLst>
+            </p:cNvPr>
+            <p:cNvSpPr/>
+            <p:nvPr/>
+          </p:nvSpPr>
+          <p:spPr>
+            <a:xfrm>
+              <a:off x="2988129" y="449035"/>
+              <a:ext cx="4686300" cy="5690507"/>
+            </a:xfrm>
+            <a:prstGeom prst="rect">
+              <a:avLst/>
+            </a:prstGeom>
+          </p:spPr>
+          <p:style>
+            <a:lnRef idx="2">
+              <a:schemeClr val="accent6"/>
+            </a:lnRef>
+            <a:fillRef idx="1">
+              <a:schemeClr val="lt1"/>
+            </a:fillRef>
+            <a:effectRef idx="0">
+              <a:schemeClr val="accent6"/>
+            </a:effectRef>
+            <a:fontRef idx="minor">
+              <a:schemeClr val="dk1"/>
+            </a:fontRef>
+          </p:style>
+          <p:txBody>
+            <a:bodyPr rtlCol="0" anchor="ctr"/>
+            <a:lstStyle/>
+            <a:p>
+              <a:pPr algn="ctr"/>
+              <a:endParaRPr lang="ko-KR" altLang="en-US"/>
+            </a:p>
+          </p:txBody>
+        </p:sp>
+        <p:sp>
+          <p:nvSpPr>
+            <p:cNvPr id="5" name="직사각형 4">
+              <a:extLst>
+                <a:ext uri="{FF2B5EF4-FFF2-40B4-BE49-F238E27FC236}">
+                  <a16:creationId xmlns:a16="http://schemas.microsoft.com/office/drawing/2014/main" id="{C9FDADE5-ED2E-4FCD-B9CF-55ABD2FC0B8F}"/>
+                </a:ext>
+              </a:extLst>
+            </p:cNvPr>
+            <p:cNvSpPr/>
+            <p:nvPr/>
+          </p:nvSpPr>
+          <p:spPr>
+            <a:xfrm>
+              <a:off x="2988129" y="449035"/>
+              <a:ext cx="4686300" cy="579665"/>
+            </a:xfrm>
+            <a:prstGeom prst="rect">
+              <a:avLst/>
+            </a:prstGeom>
+          </p:spPr>
+          <p:style>
+            <a:lnRef idx="2">
+              <a:schemeClr val="accent1">
+                <a:shade val="50000"/>
+              </a:schemeClr>
+            </a:lnRef>
+            <a:fillRef idx="1">
+              <a:schemeClr val="accent1"/>
+            </a:fillRef>
+            <a:effectRef idx="0">
+              <a:schemeClr val="accent1"/>
+            </a:effectRef>
+            <a:fontRef idx="minor">
+              <a:schemeClr val="lt1"/>
+            </a:fontRef>
+          </p:style>
+          <p:txBody>
+            <a:bodyPr rtlCol="0" anchor="ctr"/>
+            <a:lstStyle/>
+            <a:p>
+              <a:pPr algn="ctr"/>
+              <a:endParaRPr lang="ko-KR" altLang="en-US"/>
+            </a:p>
+          </p:txBody>
+        </p:sp>
+        <p:sp>
+          <p:nvSpPr>
+            <p:cNvPr id="6" name="직사각형 5">
+              <a:extLst>
+                <a:ext uri="{FF2B5EF4-FFF2-40B4-BE49-F238E27FC236}">
+                  <a16:creationId xmlns:a16="http://schemas.microsoft.com/office/drawing/2014/main" id="{BE4A72AD-BF1E-4FB2-8F81-AEF388912883}"/>
+                </a:ext>
+              </a:extLst>
+            </p:cNvPr>
+            <p:cNvSpPr/>
+            <p:nvPr/>
+          </p:nvSpPr>
+          <p:spPr>
+            <a:xfrm>
+              <a:off x="3927022" y="526596"/>
+              <a:ext cx="2808514" cy="424542"/>
+            </a:xfrm>
+            <a:prstGeom prst="rect">
+              <a:avLst/>
+            </a:prstGeom>
+            <a:solidFill>
+              <a:schemeClr val="accent2"/>
+            </a:solidFill>
+          </p:spPr>
+          <p:style>
+            <a:lnRef idx="2">
+              <a:schemeClr val="accent1">
+                <a:shade val="50000"/>
+              </a:schemeClr>
+            </a:lnRef>
+            <a:fillRef idx="1">
+              <a:schemeClr val="accent1"/>
+            </a:fillRef>
+            <a:effectRef idx="0">
+              <a:schemeClr val="accent1"/>
+            </a:effectRef>
+            <a:fontRef idx="minor">
+              <a:schemeClr val="lt1"/>
+            </a:fontRef>
+          </p:style>
+          <p:txBody>
+            <a:bodyPr rtlCol="0" anchor="ctr"/>
+            <a:lstStyle/>
+            <a:p>
+              <a:pPr algn="ctr"/>
+              <a:r>
+                <a:rPr lang="ko-KR" altLang="en-US" dirty="0" err="1"/>
+                <a:t>술이름</a:t>
+              </a:r>
+              <a:r>
+                <a:rPr lang="ko-KR" altLang="en-US" dirty="0"/>
+                <a:t> </a:t>
+              </a:r>
+              <a:r>
+                <a:rPr lang="en-US" altLang="ko-KR" dirty="0"/>
+                <a:t>+ </a:t>
+              </a:r>
+              <a:r>
+                <a:rPr lang="ko-KR" altLang="en-US" dirty="0" err="1"/>
+                <a:t>먹은날짜</a:t>
+              </a:r>
+              <a:endParaRPr lang="ko-KR" altLang="en-US" dirty="0"/>
+            </a:p>
+          </p:txBody>
+        </p:sp>
+        <p:sp>
+          <p:nvSpPr>
+            <p:cNvPr id="7" name="직사각형 6">
+              <a:extLst>
+                <a:ext uri="{FF2B5EF4-FFF2-40B4-BE49-F238E27FC236}">
+                  <a16:creationId xmlns:a16="http://schemas.microsoft.com/office/drawing/2014/main" id="{165FA00B-703B-4178-952B-330C7D311784}"/>
+                </a:ext>
+              </a:extLst>
+            </p:cNvPr>
+            <p:cNvSpPr/>
+            <p:nvPr/>
+          </p:nvSpPr>
+          <p:spPr>
+            <a:xfrm>
+              <a:off x="3094263" y="1106260"/>
+              <a:ext cx="4471309" cy="510270"/>
+            </a:xfrm>
+            <a:prstGeom prst="rect">
+              <a:avLst/>
+            </a:prstGeom>
+            <a:solidFill>
+              <a:schemeClr val="accent2"/>
+            </a:solidFill>
+          </p:spPr>
+          <p:style>
+            <a:lnRef idx="2">
+              <a:schemeClr val="accent1">
+                <a:shade val="50000"/>
+              </a:schemeClr>
+            </a:lnRef>
+            <a:fillRef idx="1">
+              <a:schemeClr val="accent1"/>
+            </a:fillRef>
+            <a:effectRef idx="0">
+              <a:schemeClr val="accent1"/>
+            </a:effectRef>
+            <a:fontRef idx="minor">
+              <a:schemeClr val="lt1"/>
+            </a:fontRef>
+          </p:style>
+          <p:txBody>
+            <a:bodyPr rtlCol="0" anchor="ctr"/>
+            <a:lstStyle/>
+            <a:p>
+              <a:pPr algn="ctr"/>
+              <a:r>
+                <a:rPr lang="ko-KR" altLang="en-US" dirty="0" err="1"/>
+                <a:t>술이름</a:t>
+              </a:r>
+              <a:r>
+                <a:rPr lang="en-US" altLang="ko-KR" dirty="0"/>
+                <a:t>:</a:t>
+              </a:r>
+              <a:r>
+                <a:rPr lang="ko-KR" altLang="en-US" dirty="0"/>
+                <a:t> </a:t>
+              </a:r>
+              <a:r>
+                <a:rPr lang="en-US" altLang="ko-KR" dirty="0"/>
+                <a:t>@@@</a:t>
+              </a:r>
+              <a:endParaRPr lang="ko-KR" altLang="en-US" dirty="0"/>
+            </a:p>
+          </p:txBody>
+        </p:sp>
+        <p:sp>
+          <p:nvSpPr>
+            <p:cNvPr id="8" name="직사각형 7">
+              <a:extLst>
+                <a:ext uri="{FF2B5EF4-FFF2-40B4-BE49-F238E27FC236}">
+                  <a16:creationId xmlns:a16="http://schemas.microsoft.com/office/drawing/2014/main" id="{1E8B79ED-6CDF-4987-ADCE-D62E7DF201F3}"/>
+                </a:ext>
+              </a:extLst>
+            </p:cNvPr>
+            <p:cNvSpPr/>
+            <p:nvPr/>
+          </p:nvSpPr>
+          <p:spPr>
+            <a:xfrm>
+              <a:off x="6202134" y="1694090"/>
+              <a:ext cx="1363438" cy="206150"/>
+            </a:xfrm>
+            <a:prstGeom prst="rect">
+              <a:avLst/>
+            </a:prstGeom>
+            <a:solidFill>
+              <a:schemeClr val="accent2"/>
+            </a:solidFill>
+          </p:spPr>
+          <p:style>
+            <a:lnRef idx="2">
+              <a:schemeClr val="accent1">
+                <a:shade val="50000"/>
+              </a:schemeClr>
+            </a:lnRef>
+            <a:fillRef idx="1">
+              <a:schemeClr val="accent1"/>
+            </a:fillRef>
+            <a:effectRef idx="0">
+              <a:schemeClr val="accent1"/>
+            </a:effectRef>
+            <a:fontRef idx="minor">
+              <a:schemeClr val="lt1"/>
+            </a:fontRef>
+          </p:style>
+          <p:txBody>
+            <a:bodyPr rtlCol="0" anchor="ctr"/>
+            <a:lstStyle/>
+            <a:p>
+              <a:pPr algn="ctr"/>
+              <a:r>
+                <a:rPr lang="ko-KR" altLang="en-US"/>
+                <a:t>날짜</a:t>
+              </a:r>
+              <a:endParaRPr lang="ko-KR" altLang="en-US" dirty="0"/>
+            </a:p>
+          </p:txBody>
+        </p:sp>
+        <p:sp>
+          <p:nvSpPr>
+            <p:cNvPr id="9" name="직사각형 8">
+              <a:extLst>
+                <a:ext uri="{FF2B5EF4-FFF2-40B4-BE49-F238E27FC236}">
+                  <a16:creationId xmlns:a16="http://schemas.microsoft.com/office/drawing/2014/main" id="{E19CFECF-3948-4CF5-8AF3-9907DF733754}"/>
+                </a:ext>
+              </a:extLst>
+            </p:cNvPr>
+            <p:cNvSpPr/>
+            <p:nvPr/>
+          </p:nvSpPr>
+          <p:spPr>
+            <a:xfrm>
+              <a:off x="6202134" y="1988005"/>
+              <a:ext cx="1363438" cy="206150"/>
+            </a:xfrm>
+            <a:prstGeom prst="rect">
+              <a:avLst/>
+            </a:prstGeom>
+            <a:solidFill>
+              <a:schemeClr val="accent2"/>
+            </a:solidFill>
+          </p:spPr>
+          <p:style>
+            <a:lnRef idx="2">
+              <a:schemeClr val="accent1">
+                <a:shade val="50000"/>
+              </a:schemeClr>
+            </a:lnRef>
+            <a:fillRef idx="1">
+              <a:schemeClr val="accent1"/>
+            </a:fillRef>
+            <a:effectRef idx="0">
+              <a:schemeClr val="accent1"/>
+            </a:effectRef>
+            <a:fontRef idx="minor">
+              <a:schemeClr val="lt1"/>
+            </a:fontRef>
+          </p:style>
+          <p:txBody>
+            <a:bodyPr rtlCol="0" anchor="ctr"/>
+            <a:lstStyle/>
+            <a:p>
+              <a:pPr algn="ctr"/>
+              <a:r>
+                <a:rPr lang="ko-KR" altLang="en-US" dirty="0" err="1"/>
+                <a:t>술종류</a:t>
+              </a:r>
+              <a:endParaRPr lang="ko-KR" altLang="en-US" dirty="0"/>
+            </a:p>
+          </p:txBody>
+        </p:sp>
+        <p:sp>
+          <p:nvSpPr>
+            <p:cNvPr id="10" name="직사각형 9">
+              <a:extLst>
+                <a:ext uri="{FF2B5EF4-FFF2-40B4-BE49-F238E27FC236}">
+                  <a16:creationId xmlns:a16="http://schemas.microsoft.com/office/drawing/2014/main" id="{285906DE-06BD-49C0-8A8D-52DBA42DC174}"/>
+                </a:ext>
+              </a:extLst>
+            </p:cNvPr>
+            <p:cNvSpPr/>
+            <p:nvPr/>
+          </p:nvSpPr>
+          <p:spPr>
+            <a:xfrm>
+              <a:off x="3094263" y="2281920"/>
+              <a:ext cx="4471309" cy="3751487"/>
+            </a:xfrm>
+            <a:prstGeom prst="rect">
+              <a:avLst/>
+            </a:prstGeom>
+            <a:solidFill>
+              <a:schemeClr val="accent2"/>
+            </a:solidFill>
+          </p:spPr>
+          <p:style>
+            <a:lnRef idx="2">
+              <a:schemeClr val="accent1">
+                <a:shade val="50000"/>
+              </a:schemeClr>
+            </a:lnRef>
+            <a:fillRef idx="1">
+              <a:schemeClr val="accent1"/>
+            </a:fillRef>
+            <a:effectRef idx="0">
+              <a:schemeClr val="accent1"/>
+            </a:effectRef>
+            <a:fontRef idx="minor">
+              <a:schemeClr val="lt1"/>
+            </a:fontRef>
+          </p:style>
+          <p:txBody>
+            <a:bodyPr rtlCol="0" anchor="ctr"/>
+            <a:lstStyle/>
+            <a:p>
+              <a:pPr algn="ctr"/>
+              <a:r>
+                <a:rPr lang="ko-KR" altLang="en-US" dirty="0"/>
+                <a:t>맛있는 </a:t>
+              </a:r>
+              <a:r>
+                <a:rPr lang="ko-KR" altLang="en-US" dirty="0" err="1"/>
+                <a:t>술이였나요</a:t>
+              </a:r>
+              <a:r>
+                <a:rPr lang="en-US" altLang="ko-KR" dirty="0"/>
+                <a:t>? @@@@@@@@@@@@@@@@@@@@@@@@@@@@@@@@@@@@@@@@@@@@@@@@@@@@@@@@</a:t>
+              </a:r>
+              <a:endParaRPr lang="ko-KR" altLang="en-US" dirty="0"/>
+            </a:p>
+          </p:txBody>
+        </p:sp>
+        <p:sp>
+          <p:nvSpPr>
+            <p:cNvPr id="11" name="직사각형 10">
+              <a:extLst>
+                <a:ext uri="{FF2B5EF4-FFF2-40B4-BE49-F238E27FC236}">
+                  <a16:creationId xmlns:a16="http://schemas.microsoft.com/office/drawing/2014/main" id="{D0277191-9141-46A0-83BA-3A086FB2A7BB}"/>
+                </a:ext>
+              </a:extLst>
+            </p:cNvPr>
+            <p:cNvSpPr/>
+            <p:nvPr/>
+          </p:nvSpPr>
+          <p:spPr>
+            <a:xfrm>
+              <a:off x="3094262" y="1694090"/>
+              <a:ext cx="3001737" cy="510270"/>
+            </a:xfrm>
+            <a:prstGeom prst="rect">
+              <a:avLst/>
+            </a:prstGeom>
+            <a:solidFill>
+              <a:schemeClr val="accent2"/>
+            </a:solidFill>
+          </p:spPr>
+          <p:style>
+            <a:lnRef idx="2">
+              <a:schemeClr val="accent1">
+                <a:shade val="50000"/>
+              </a:schemeClr>
+            </a:lnRef>
+            <a:fillRef idx="1">
+              <a:schemeClr val="accent1"/>
+            </a:fillRef>
+            <a:effectRef idx="0">
+              <a:schemeClr val="accent1"/>
+            </a:effectRef>
+            <a:fontRef idx="minor">
+              <a:schemeClr val="lt1"/>
+            </a:fontRef>
+          </p:style>
+          <p:txBody>
+            <a:bodyPr rtlCol="0" anchor="ctr"/>
+            <a:lstStyle/>
+            <a:p>
+              <a:pPr algn="ctr"/>
+              <a:r>
+                <a:rPr lang="ko-KR" altLang="en-US" dirty="0" err="1"/>
+                <a:t>같이먹은</a:t>
+              </a:r>
+              <a:r>
+                <a:rPr lang="ko-KR" altLang="en-US" dirty="0"/>
+                <a:t> 안주</a:t>
+              </a:r>
+              <a:r>
+                <a:rPr lang="en-US" altLang="ko-KR" dirty="0"/>
+                <a:t>: @@@@</a:t>
+              </a:r>
+              <a:endParaRPr lang="ko-KR" altLang="en-US" dirty="0"/>
+            </a:p>
+          </p:txBody>
+        </p:sp>
+        <p:sp>
+          <p:nvSpPr>
+            <p:cNvPr id="12" name="직사각형 11">
+              <a:extLst>
+                <a:ext uri="{FF2B5EF4-FFF2-40B4-BE49-F238E27FC236}">
+                  <a16:creationId xmlns:a16="http://schemas.microsoft.com/office/drawing/2014/main" id="{6DC62DCC-F630-4F39-8113-DF14009433E2}"/>
+                </a:ext>
+              </a:extLst>
+            </p:cNvPr>
+            <p:cNvSpPr/>
+            <p:nvPr/>
+          </p:nvSpPr>
+          <p:spPr>
+            <a:xfrm>
+              <a:off x="7033038" y="526596"/>
+              <a:ext cx="532534" cy="424542"/>
+            </a:xfrm>
+            <a:prstGeom prst="rect">
+              <a:avLst/>
+            </a:prstGeom>
+            <a:solidFill>
+              <a:schemeClr val="bg2"/>
+            </a:solidFill>
+          </p:spPr>
+          <p:style>
+            <a:lnRef idx="2">
+              <a:schemeClr val="accent1">
+                <a:shade val="50000"/>
+              </a:schemeClr>
+            </a:lnRef>
+            <a:fillRef idx="1">
+              <a:schemeClr val="accent1"/>
+            </a:fillRef>
+            <a:effectRef idx="0">
+              <a:schemeClr val="accent1"/>
+            </a:effectRef>
+            <a:fontRef idx="minor">
+              <a:schemeClr val="lt1"/>
+            </a:fontRef>
+          </p:style>
+          <p:txBody>
+            <a:bodyPr rtlCol="0" anchor="ctr"/>
+            <a:lstStyle/>
+            <a:p>
+              <a:pPr algn="ctr"/>
+              <a:endParaRPr lang="ko-KR" altLang="en-US"/>
+            </a:p>
+          </p:txBody>
+        </p:sp>
+        <p:sp>
+          <p:nvSpPr>
+            <p:cNvPr id="13" name="직사각형 12">
+              <a:extLst>
+                <a:ext uri="{FF2B5EF4-FFF2-40B4-BE49-F238E27FC236}">
+                  <a16:creationId xmlns:a16="http://schemas.microsoft.com/office/drawing/2014/main" id="{A43B4830-E13D-4085-8709-BDCABF93454D}"/>
+                </a:ext>
+              </a:extLst>
+            </p:cNvPr>
+            <p:cNvSpPr/>
+            <p:nvPr/>
+          </p:nvSpPr>
+          <p:spPr>
+            <a:xfrm>
+              <a:off x="3094262" y="526596"/>
+              <a:ext cx="535258" cy="424542"/>
+            </a:xfrm>
+            <a:prstGeom prst="rect">
+              <a:avLst/>
+            </a:prstGeom>
+            <a:solidFill>
+              <a:schemeClr val="bg2"/>
+            </a:solidFill>
+          </p:spPr>
+          <p:style>
+            <a:lnRef idx="2">
+              <a:schemeClr val="accent1">
+                <a:shade val="50000"/>
+              </a:schemeClr>
+            </a:lnRef>
+            <a:fillRef idx="1">
+              <a:schemeClr val="accent1"/>
+            </a:fillRef>
+            <a:effectRef idx="0">
+              <a:schemeClr val="accent1"/>
+            </a:effectRef>
+            <a:fontRef idx="minor">
+              <a:schemeClr val="lt1"/>
+            </a:fontRef>
+          </p:style>
+          <p:txBody>
+            <a:bodyPr rtlCol="0" anchor="ctr"/>
+            <a:lstStyle/>
+            <a:p>
+              <a:pPr algn="ctr"/>
+              <a:endParaRPr lang="ko-KR" altLang="en-US" dirty="0"/>
+            </a:p>
+          </p:txBody>
+        </p:sp>
+      </p:grpSp>
+      <p:cxnSp>
+        <p:nvCxnSpPr>
+          <p:cNvPr id="16" name="직선 연결선 15">
+            <a:extLst>
+              <a:ext uri="{FF2B5EF4-FFF2-40B4-BE49-F238E27FC236}">
+                <a16:creationId xmlns:a16="http://schemas.microsoft.com/office/drawing/2014/main" id="{AF53238A-E230-41FE-9146-78AB137B027D}"/>
+              </a:ext>
+            </a:extLst>
+          </p:cNvPr>
+          <p:cNvCxnSpPr/>
+          <p:nvPr/>
+        </p:nvCxnSpPr>
+        <p:spPr>
+          <a:xfrm>
+            <a:off x="3780350" y="1673678"/>
+            <a:ext cx="4629150" cy="0"/>
+          </a:xfrm>
+          <a:prstGeom prst="line">
+            <a:avLst/>
+          </a:prstGeom>
+        </p:spPr>
+        <p:style>
+          <a:lnRef idx="1">
+            <a:schemeClr val="accent1"/>
+          </a:lnRef>
+          <a:fillRef idx="0">
+            <a:schemeClr val="accent1"/>
+          </a:fillRef>
+          <a:effectRef idx="0">
+            <a:schemeClr val="accent1"/>
+          </a:effectRef>
+          <a:fontRef idx="minor">
+            <a:schemeClr val="tx1"/>
+          </a:fontRef>
+        </p:style>
+      </p:cxnSp>
+      <p:cxnSp>
+        <p:nvCxnSpPr>
+          <p:cNvPr id="17" name="직선 연결선 16">
+            <a:extLst>
+              <a:ext uri="{FF2B5EF4-FFF2-40B4-BE49-F238E27FC236}">
+                <a16:creationId xmlns:a16="http://schemas.microsoft.com/office/drawing/2014/main" id="{43264BE6-11E9-4AB0-9F9A-5B85F4931755}"/>
+              </a:ext>
+            </a:extLst>
+          </p:cNvPr>
+          <p:cNvCxnSpPr/>
+          <p:nvPr/>
+        </p:nvCxnSpPr>
+        <p:spPr>
+          <a:xfrm>
+            <a:off x="3780350" y="2261508"/>
+            <a:ext cx="4629150" cy="0"/>
+          </a:xfrm>
+          <a:prstGeom prst="line">
+            <a:avLst/>
+          </a:prstGeom>
+        </p:spPr>
+        <p:style>
+          <a:lnRef idx="1">
+            <a:schemeClr val="accent1"/>
+          </a:lnRef>
+          <a:fillRef idx="0">
+            <a:schemeClr val="accent1"/>
+          </a:fillRef>
+          <a:effectRef idx="0">
+            <a:schemeClr val="accent1"/>
+          </a:effectRef>
+          <a:fontRef idx="minor">
+            <a:schemeClr val="tx1"/>
+          </a:fontRef>
+        </p:style>
+      </p:cxnSp>
+      <p:cxnSp>
+        <p:nvCxnSpPr>
+          <p:cNvPr id="19" name="직선 연결선 18">
+            <a:extLst>
+              <a:ext uri="{FF2B5EF4-FFF2-40B4-BE49-F238E27FC236}">
+                <a16:creationId xmlns:a16="http://schemas.microsoft.com/office/drawing/2014/main" id="{BB611CF3-F7DF-4C47-B560-BEFE90E45FF4}"/>
+              </a:ext>
+            </a:extLst>
+          </p:cNvPr>
+          <p:cNvCxnSpPr/>
+          <p:nvPr/>
+        </p:nvCxnSpPr>
+        <p:spPr>
+          <a:xfrm>
+            <a:off x="6739091" y="1545092"/>
+            <a:ext cx="0" cy="857250"/>
+          </a:xfrm>
+          <a:prstGeom prst="line">
+            <a:avLst/>
+          </a:prstGeom>
+        </p:spPr>
+        <p:style>
+          <a:lnRef idx="1">
+            <a:schemeClr val="accent1"/>
+          </a:lnRef>
+          <a:fillRef idx="0">
+            <a:schemeClr val="accent1"/>
+          </a:fillRef>
+          <a:effectRef idx="0">
+            <a:schemeClr val="accent1"/>
+          </a:effectRef>
+          <a:fontRef idx="minor">
+            <a:schemeClr val="tx1"/>
+          </a:fontRef>
+        </p:style>
+      </p:cxnSp>
+      <p:cxnSp>
+        <p:nvCxnSpPr>
+          <p:cNvPr id="21" name="직선 연결선 20">
+            <a:extLst>
+              <a:ext uri="{FF2B5EF4-FFF2-40B4-BE49-F238E27FC236}">
+                <a16:creationId xmlns:a16="http://schemas.microsoft.com/office/drawing/2014/main" id="{F7F45DC0-A25E-44A8-85D4-FC1CC6D28489}"/>
+              </a:ext>
+            </a:extLst>
+          </p:cNvPr>
+          <p:cNvCxnSpPr>
+            <a:cxnSpLocks/>
+          </p:cNvCxnSpPr>
+          <p:nvPr/>
+        </p:nvCxnSpPr>
+        <p:spPr>
+          <a:xfrm>
+            <a:off x="6699515" y="1965553"/>
+            <a:ext cx="1383128" cy="0"/>
+          </a:xfrm>
+          <a:prstGeom prst="line">
+            <a:avLst/>
+          </a:prstGeom>
+        </p:spPr>
+        <p:style>
+          <a:lnRef idx="1">
+            <a:schemeClr val="accent1"/>
+          </a:lnRef>
+          <a:fillRef idx="0">
+            <a:schemeClr val="accent1"/>
+          </a:fillRef>
+          <a:effectRef idx="0">
+            <a:schemeClr val="accent1"/>
+          </a:effectRef>
+          <a:fontRef idx="minor">
+            <a:schemeClr val="tx1"/>
+          </a:fontRef>
+        </p:style>
+      </p:cxnSp>
+    </p:spTree>
+    <p:extLst>
+      <p:ext uri="{BB962C8B-B14F-4D97-AF65-F5344CB8AC3E}">
+        <p14:creationId xmlns:p14="http://schemas.microsoft.com/office/powerpoint/2010/main" val="3540984522"/>
+      </p:ext>
+    </p:extLst>
+  </p:cSld>
+  <p:clrMapOvr>
+    <a:masterClrMapping/>
+  </p:clrMapOvr>
+</p:sld>
+</file>
+
 <file path=ppt/theme/theme1.xml><?xml version="1.0" encoding="utf-8"?>
 <a:theme xmlns:a="http://schemas.openxmlformats.org/drawingml/2006/main" name="Office 테마">
   <a:themeElements>
